--- a/控制框图说明.pptx
+++ b/控制框图说明.pptx
@@ -5,11 +5,13 @@
     <p:sldMasterId id="2147483648" r:id="rId1"/>
   </p:sldMasterIdLst>
   <p:notesMasterIdLst>
-    <p:notesMasterId r:id="rId4"/>
+    <p:notesMasterId r:id="rId6"/>
   </p:notesMasterIdLst>
   <p:sldIdLst>
     <p:sldId id="258" r:id="rId2"/>
     <p:sldId id="256" r:id="rId3"/>
+    <p:sldId id="259" r:id="rId4"/>
+    <p:sldId id="260" r:id="rId5"/>
   </p:sldIdLst>
   <p:sldSz cx="12192000" cy="6858000"/>
   <p:notesSz cx="6858000" cy="9144000"/>
@@ -198,7 +200,7 @@
           <a:p>
             <a:fld id="{B180E7EF-D37D-4E22-8DE8-23437848A5B5}" type="datetimeFigureOut">
               <a:rPr lang="zh-CN" altLang="en-US" smtClean="0"/>
-              <a:t>2021/11/27</a:t>
+              <a:t>2021/11/28</a:t>
             </a:fld>
             <a:endParaRPr lang="zh-CN" altLang="en-US"/>
           </a:p>
@@ -550,6 +552,174 @@
 </p:notes>
 </file>
 
+<file path=ppt/notesSlides/notesSlide2.xml><?xml version="1.0" encoding="utf-8"?>
+<p:notes xmlns:a="http://schemas.openxmlformats.org/drawingml/2006/main" xmlns:r="http://schemas.openxmlformats.org/officeDocument/2006/relationships" xmlns:p="http://schemas.openxmlformats.org/presentationml/2006/main">
+  <p:cSld>
+    <p:spTree>
+      <p:nvGrpSpPr>
+        <p:cNvPr id="1" name=""/>
+        <p:cNvGrpSpPr/>
+        <p:nvPr/>
+      </p:nvGrpSpPr>
+      <p:grpSpPr>
+        <a:xfrm>
+          <a:off x="0" y="0"/>
+          <a:ext cx="0" cy="0"/>
+          <a:chOff x="0" y="0"/>
+          <a:chExt cx="0" cy="0"/>
+        </a:xfrm>
+      </p:grpSpPr>
+      <p:sp>
+        <p:nvSpPr>
+          <p:cNvPr id="2" name="幻灯片图像占位符 1"/>
+          <p:cNvSpPr>
+            <a:spLocks noGrp="1" noRot="1" noChangeAspect="1"/>
+          </p:cNvSpPr>
+          <p:nvPr>
+            <p:ph type="sldImg"/>
+          </p:nvPr>
+        </p:nvSpPr>
+        <p:spPr/>
+      </p:sp>
+      <p:sp>
+        <p:nvSpPr>
+          <p:cNvPr id="3" name="备注占位符 2"/>
+          <p:cNvSpPr>
+            <a:spLocks noGrp="1"/>
+          </p:cNvSpPr>
+          <p:nvPr>
+            <p:ph type="body" idx="1"/>
+          </p:nvPr>
+        </p:nvSpPr>
+        <p:spPr/>
+        <p:txBody>
+          <a:bodyPr/>
+          <a:lstStyle/>
+          <a:p>
+            <a:endParaRPr lang="zh-CN" altLang="en-US" dirty="0"/>
+          </a:p>
+        </p:txBody>
+      </p:sp>
+      <p:sp>
+        <p:nvSpPr>
+          <p:cNvPr id="4" name="灯片编号占位符 3"/>
+          <p:cNvSpPr>
+            <a:spLocks noGrp="1"/>
+          </p:cNvSpPr>
+          <p:nvPr>
+            <p:ph type="sldNum" sz="quarter" idx="10"/>
+          </p:nvPr>
+        </p:nvSpPr>
+        <p:spPr/>
+        <p:txBody>
+          <a:bodyPr/>
+          <a:lstStyle/>
+          <a:p>
+            <a:fld id="{DAA7DBD3-B20D-4065-838F-388A676883AF}" type="slidenum">
+              <a:rPr lang="zh-CN" altLang="en-US" smtClean="0"/>
+              <a:t>3</a:t>
+            </a:fld>
+            <a:endParaRPr lang="zh-CN" altLang="en-US"/>
+          </a:p>
+        </p:txBody>
+      </p:sp>
+    </p:spTree>
+    <p:extLst>
+      <p:ext uri="{BB962C8B-B14F-4D97-AF65-F5344CB8AC3E}">
+        <p14:creationId xmlns:p14="http://schemas.microsoft.com/office/powerpoint/2010/main" val="2592752660"/>
+      </p:ext>
+    </p:extLst>
+  </p:cSld>
+  <p:clrMapOvr>
+    <a:masterClrMapping/>
+  </p:clrMapOvr>
+</p:notes>
+</file>
+
+<file path=ppt/notesSlides/notesSlide3.xml><?xml version="1.0" encoding="utf-8"?>
+<p:notes xmlns:a="http://schemas.openxmlformats.org/drawingml/2006/main" xmlns:r="http://schemas.openxmlformats.org/officeDocument/2006/relationships" xmlns:p="http://schemas.openxmlformats.org/presentationml/2006/main">
+  <p:cSld>
+    <p:spTree>
+      <p:nvGrpSpPr>
+        <p:cNvPr id="1" name=""/>
+        <p:cNvGrpSpPr/>
+        <p:nvPr/>
+      </p:nvGrpSpPr>
+      <p:grpSpPr>
+        <a:xfrm>
+          <a:off x="0" y="0"/>
+          <a:ext cx="0" cy="0"/>
+          <a:chOff x="0" y="0"/>
+          <a:chExt cx="0" cy="0"/>
+        </a:xfrm>
+      </p:grpSpPr>
+      <p:sp>
+        <p:nvSpPr>
+          <p:cNvPr id="2" name="幻灯片图像占位符 1"/>
+          <p:cNvSpPr>
+            <a:spLocks noGrp="1" noRot="1" noChangeAspect="1"/>
+          </p:cNvSpPr>
+          <p:nvPr>
+            <p:ph type="sldImg"/>
+          </p:nvPr>
+        </p:nvSpPr>
+        <p:spPr/>
+      </p:sp>
+      <p:sp>
+        <p:nvSpPr>
+          <p:cNvPr id="3" name="备注占位符 2"/>
+          <p:cNvSpPr>
+            <a:spLocks noGrp="1"/>
+          </p:cNvSpPr>
+          <p:nvPr>
+            <p:ph type="body" idx="1"/>
+          </p:nvPr>
+        </p:nvSpPr>
+        <p:spPr/>
+        <p:txBody>
+          <a:bodyPr/>
+          <a:lstStyle/>
+          <a:p>
+            <a:endParaRPr lang="zh-CN" altLang="en-US" dirty="0"/>
+          </a:p>
+        </p:txBody>
+      </p:sp>
+      <p:sp>
+        <p:nvSpPr>
+          <p:cNvPr id="4" name="灯片编号占位符 3"/>
+          <p:cNvSpPr>
+            <a:spLocks noGrp="1"/>
+          </p:cNvSpPr>
+          <p:nvPr>
+            <p:ph type="sldNum" sz="quarter" idx="10"/>
+          </p:nvPr>
+        </p:nvSpPr>
+        <p:spPr/>
+        <p:txBody>
+          <a:bodyPr/>
+          <a:lstStyle/>
+          <a:p>
+            <a:fld id="{DAA7DBD3-B20D-4065-838F-388A676883AF}" type="slidenum">
+              <a:rPr lang="zh-CN" altLang="en-US" smtClean="0"/>
+              <a:t>4</a:t>
+            </a:fld>
+            <a:endParaRPr lang="zh-CN" altLang="en-US"/>
+          </a:p>
+        </p:txBody>
+      </p:sp>
+    </p:spTree>
+    <p:extLst>
+      <p:ext uri="{BB962C8B-B14F-4D97-AF65-F5344CB8AC3E}">
+        <p14:creationId xmlns:p14="http://schemas.microsoft.com/office/powerpoint/2010/main" val="1640497360"/>
+      </p:ext>
+    </p:extLst>
+  </p:cSld>
+  <p:clrMapOvr>
+    <a:masterClrMapping/>
+  </p:clrMapOvr>
+</p:notes>
+</file>
+
 <file path=ppt/slideLayouts/slideLayout1.xml><?xml version="1.0" encoding="utf-8"?>
 <p:sldLayout xmlns:a="http://schemas.openxmlformats.org/drawingml/2006/main" xmlns:r="http://schemas.openxmlformats.org/officeDocument/2006/relationships" xmlns:p="http://schemas.openxmlformats.org/presentationml/2006/main" type="title" preserve="1">
   <p:cSld name="标题幻灯片">
@@ -681,7 +851,7 @@
           <a:p>
             <a:fld id="{D5D86183-1A27-425D-9692-264495573DC9}" type="datetimeFigureOut">
               <a:rPr lang="zh-CN" altLang="en-US" smtClean="0"/>
-              <a:t>2021/11/27</a:t>
+              <a:t>2021/11/28</a:t>
             </a:fld>
             <a:endParaRPr lang="zh-CN" altLang="en-US"/>
           </a:p>
@@ -851,7 +1021,7 @@
           <a:p>
             <a:fld id="{D5D86183-1A27-425D-9692-264495573DC9}" type="datetimeFigureOut">
               <a:rPr lang="zh-CN" altLang="en-US" smtClean="0"/>
-              <a:t>2021/11/27</a:t>
+              <a:t>2021/11/28</a:t>
             </a:fld>
             <a:endParaRPr lang="zh-CN" altLang="en-US"/>
           </a:p>
@@ -1031,7 +1201,7 @@
           <a:p>
             <a:fld id="{D5D86183-1A27-425D-9692-264495573DC9}" type="datetimeFigureOut">
               <a:rPr lang="zh-CN" altLang="en-US" smtClean="0"/>
-              <a:t>2021/11/27</a:t>
+              <a:t>2021/11/28</a:t>
             </a:fld>
             <a:endParaRPr lang="zh-CN" altLang="en-US"/>
           </a:p>
@@ -1201,7 +1371,7 @@
           <a:p>
             <a:fld id="{D5D86183-1A27-425D-9692-264495573DC9}" type="datetimeFigureOut">
               <a:rPr lang="zh-CN" altLang="en-US" smtClean="0"/>
-              <a:t>2021/11/27</a:t>
+              <a:t>2021/11/28</a:t>
             </a:fld>
             <a:endParaRPr lang="zh-CN" altLang="en-US"/>
           </a:p>
@@ -1447,7 +1617,7 @@
           <a:p>
             <a:fld id="{D5D86183-1A27-425D-9692-264495573DC9}" type="datetimeFigureOut">
               <a:rPr lang="zh-CN" altLang="en-US" smtClean="0"/>
-              <a:t>2021/11/27</a:t>
+              <a:t>2021/11/28</a:t>
             </a:fld>
             <a:endParaRPr lang="zh-CN" altLang="en-US"/>
           </a:p>
@@ -1679,7 +1849,7 @@
           <a:p>
             <a:fld id="{D5D86183-1A27-425D-9692-264495573DC9}" type="datetimeFigureOut">
               <a:rPr lang="zh-CN" altLang="en-US" smtClean="0"/>
-              <a:t>2021/11/27</a:t>
+              <a:t>2021/11/28</a:t>
             </a:fld>
             <a:endParaRPr lang="zh-CN" altLang="en-US"/>
           </a:p>
@@ -2046,7 +2216,7 @@
           <a:p>
             <a:fld id="{D5D86183-1A27-425D-9692-264495573DC9}" type="datetimeFigureOut">
               <a:rPr lang="zh-CN" altLang="en-US" smtClean="0"/>
-              <a:t>2021/11/27</a:t>
+              <a:t>2021/11/28</a:t>
             </a:fld>
             <a:endParaRPr lang="zh-CN" altLang="en-US"/>
           </a:p>
@@ -2164,7 +2334,7 @@
           <a:p>
             <a:fld id="{D5D86183-1A27-425D-9692-264495573DC9}" type="datetimeFigureOut">
               <a:rPr lang="zh-CN" altLang="en-US" smtClean="0"/>
-              <a:t>2021/11/27</a:t>
+              <a:t>2021/11/28</a:t>
             </a:fld>
             <a:endParaRPr lang="zh-CN" altLang="en-US"/>
           </a:p>
@@ -2259,7 +2429,7 @@
           <a:p>
             <a:fld id="{D5D86183-1A27-425D-9692-264495573DC9}" type="datetimeFigureOut">
               <a:rPr lang="zh-CN" altLang="en-US" smtClean="0"/>
-              <a:t>2021/11/27</a:t>
+              <a:t>2021/11/28</a:t>
             </a:fld>
             <a:endParaRPr lang="zh-CN" altLang="en-US"/>
           </a:p>
@@ -2536,7 +2706,7 @@
           <a:p>
             <a:fld id="{D5D86183-1A27-425D-9692-264495573DC9}" type="datetimeFigureOut">
               <a:rPr lang="zh-CN" altLang="en-US" smtClean="0"/>
-              <a:t>2021/11/27</a:t>
+              <a:t>2021/11/28</a:t>
             </a:fld>
             <a:endParaRPr lang="zh-CN" altLang="en-US"/>
           </a:p>
@@ -2789,7 +2959,7 @@
           <a:p>
             <a:fld id="{D5D86183-1A27-425D-9692-264495573DC9}" type="datetimeFigureOut">
               <a:rPr lang="zh-CN" altLang="en-US" smtClean="0"/>
-              <a:t>2021/11/27</a:t>
+              <a:t>2021/11/28</a:t>
             </a:fld>
             <a:endParaRPr lang="zh-CN" altLang="en-US"/>
           </a:p>
@@ -3002,7 +3172,7 @@
           <a:p>
             <a:fld id="{D5D86183-1A27-425D-9692-264495573DC9}" type="datetimeFigureOut">
               <a:rPr lang="zh-CN" altLang="en-US" smtClean="0"/>
-              <a:t>2021/11/27</a:t>
+              <a:t>2021/11/28</a:t>
             </a:fld>
             <a:endParaRPr lang="zh-CN" altLang="en-US"/>
           </a:p>
@@ -5144,7 +5314,6 @@
               <a:rPr lang="en-US" altLang="zh-CN" sz="1200" dirty="0" smtClean="0"/>
               <a:t>TD</a:t>
             </a:r>
-            <a:endParaRPr lang="en-US" altLang="zh-CN" sz="1200" dirty="0" smtClean="0"/>
           </a:p>
         </p:txBody>
       </p:sp>
@@ -5188,7 +5357,6 @@
               <a:rPr lang="en-US" altLang="zh-CN" sz="1200" dirty="0" smtClean="0"/>
               <a:t>PID_Z</a:t>
             </a:r>
-            <a:endParaRPr lang="en-US" altLang="zh-CN" sz="1200" dirty="0" smtClean="0"/>
           </a:p>
         </p:txBody>
       </p:sp>
@@ -5232,7 +5400,6 @@
               <a:rPr lang="en-US" altLang="zh-CN" sz="1000" dirty="0" smtClean="0"/>
               <a:t>NLSEF_VZ</a:t>
             </a:r>
-            <a:endParaRPr lang="en-US" altLang="zh-CN" sz="1000" dirty="0" smtClean="0"/>
           </a:p>
         </p:txBody>
       </p:sp>
@@ -5276,7 +5443,6 @@
               <a:rPr lang="en-US" altLang="zh-CN" sz="1200" dirty="0" smtClean="0"/>
               <a:t>MBD</a:t>
             </a:r>
-            <a:endParaRPr lang="en-US" altLang="zh-CN" sz="1200" dirty="0" smtClean="0"/>
           </a:p>
         </p:txBody>
       </p:sp>
@@ -6812,80 +6978,12 @@
                 <a:latin typeface="Calibri" panose="020F0502020204030204" pitchFamily="34" charset="0"/>
                 <a:cs typeface="Calibri" panose="020F0502020204030204" pitchFamily="34" charset="0"/>
               </a:rPr>
-              <a:t>aZ_d(TD</a:t>
-            </a:r>
-            <a:r>
-              <a:rPr lang="en-US" altLang="zh-CN" sz="1200" dirty="0" smtClean="0">
-                <a:latin typeface="Calibri" panose="020F0502020204030204" pitchFamily="34" charset="0"/>
-                <a:cs typeface="Calibri" panose="020F0502020204030204" pitchFamily="34" charset="0"/>
-              </a:rPr>
-              <a:t>.fh</a:t>
-            </a:r>
-            <a:r>
-              <a:rPr lang="en-US" altLang="zh-CN" sz="1200" dirty="0" smtClean="0">
-                <a:latin typeface="Calibri" panose="020F0502020204030204" pitchFamily="34" charset="0"/>
-                <a:cs typeface="Calibri" panose="020F0502020204030204" pitchFamily="34" charset="0"/>
-              </a:rPr>
-              <a:t>)</a:t>
+              <a:t>aZ_d(TD.fh)</a:t>
             </a:r>
             <a:endParaRPr lang="zh-CN" altLang="en-US" sz="1200" dirty="0">
               <a:latin typeface="Calibri" panose="020F0502020204030204" pitchFamily="34" charset="0"/>
               <a:cs typeface="Calibri" panose="020F0502020204030204" pitchFamily="34" charset="0"/>
             </a:endParaRPr>
-          </a:p>
-        </p:txBody>
-      </p:sp>
-      <p:sp>
-        <p:nvSpPr>
-          <p:cNvPr id="228" name="圆角矩形 227"/>
-          <p:cNvSpPr/>
-          <p:nvPr/>
-        </p:nvSpPr>
-        <p:spPr>
-          <a:xfrm>
-            <a:off x="360218" y="304800"/>
-            <a:ext cx="3210016" cy="905163"/>
-          </a:xfrm>
-          <a:prstGeom prst="roundRect">
-            <a:avLst/>
-          </a:prstGeom>
-          <a:solidFill>
-            <a:srgbClr val="FF0000"/>
-          </a:solidFill>
-        </p:spPr>
-        <p:style>
-          <a:lnRef idx="2">
-            <a:schemeClr val="accent1">
-              <a:shade val="50000"/>
-            </a:schemeClr>
-          </a:lnRef>
-          <a:fillRef idx="1">
-            <a:schemeClr val="accent1"/>
-          </a:fillRef>
-          <a:effectRef idx="0">
-            <a:schemeClr val="accent1"/>
-          </a:effectRef>
-          <a:fontRef idx="minor">
-            <a:schemeClr val="lt1"/>
-          </a:fontRef>
-        </p:style>
-        <p:txBody>
-          <a:bodyPr rtlCol="0" anchor="ctr"/>
-          <a:lstStyle/>
-          <a:p>
-            <a:pPr algn="ctr"/>
-            <a:r>
-              <a:rPr lang="en-US" altLang="zh-CN" dirty="0" smtClean="0"/>
-              <a:t>The control block diagram</a:t>
-            </a:r>
-          </a:p>
-          <a:p>
-            <a:pPr algn="ctr"/>
-            <a:r>
-              <a:rPr lang="en-US" altLang="zh-CN" dirty="0" smtClean="0"/>
-              <a:t> in this program</a:t>
-            </a:r>
-            <a:endParaRPr lang="zh-CN" altLang="en-US" dirty="0"/>
           </a:p>
         </p:txBody>
       </p:sp>
@@ -7059,6 +7157,2663 @@
     <p:extLst>
       <p:ext uri="{BB962C8B-B14F-4D97-AF65-F5344CB8AC3E}">
         <p14:creationId xmlns:p14="http://schemas.microsoft.com/office/powerpoint/2010/main" val="892154676"/>
+      </p:ext>
+    </p:extLst>
+  </p:cSld>
+  <p:clrMapOvr>
+    <a:masterClrMapping/>
+  </p:clrMapOvr>
+</p:sld>
+</file>
+
+<file path=ppt/slides/slide3.xml><?xml version="1.0" encoding="utf-8"?>
+<p:sld xmlns:a="http://schemas.openxmlformats.org/drawingml/2006/main" xmlns:r="http://schemas.openxmlformats.org/officeDocument/2006/relationships" xmlns:p="http://schemas.openxmlformats.org/presentationml/2006/main">
+  <p:cSld>
+    <p:spTree>
+      <p:nvGrpSpPr>
+        <p:cNvPr id="1" name=""/>
+        <p:cNvGrpSpPr/>
+        <p:nvPr/>
+      </p:nvGrpSpPr>
+      <p:grpSpPr>
+        <a:xfrm>
+          <a:off x="0" y="0"/>
+          <a:ext cx="0" cy="0"/>
+          <a:chOff x="0" y="0"/>
+          <a:chExt cx="0" cy="0"/>
+        </a:xfrm>
+      </p:grpSpPr>
+      <p:sp>
+        <p:nvSpPr>
+          <p:cNvPr id="73" name="圆角矩形 72"/>
+          <p:cNvSpPr/>
+          <p:nvPr/>
+        </p:nvSpPr>
+        <p:spPr>
+          <a:xfrm>
+            <a:off x="4641110" y="1438183"/>
+            <a:ext cx="4440746" cy="3266981"/>
+          </a:xfrm>
+          <a:prstGeom prst="roundRect">
+            <a:avLst/>
+          </a:prstGeom>
+          <a:solidFill>
+            <a:schemeClr val="accent1">
+              <a:lumMod val="20000"/>
+              <a:lumOff val="80000"/>
+            </a:schemeClr>
+          </a:solidFill>
+          <a:ln>
+            <a:solidFill>
+              <a:schemeClr val="bg1"/>
+            </a:solidFill>
+          </a:ln>
+        </p:spPr>
+        <p:style>
+          <a:lnRef idx="2">
+            <a:schemeClr val="accent1">
+              <a:shade val="50000"/>
+            </a:schemeClr>
+          </a:lnRef>
+          <a:fillRef idx="1">
+            <a:schemeClr val="accent1"/>
+          </a:fillRef>
+          <a:effectRef idx="0">
+            <a:schemeClr val="accent1"/>
+          </a:effectRef>
+          <a:fontRef idx="minor">
+            <a:schemeClr val="lt1"/>
+          </a:fontRef>
+        </p:style>
+        <p:txBody>
+          <a:bodyPr rtlCol="0" anchor="ctr"/>
+          <a:lstStyle/>
+          <a:p>
+            <a:pPr algn="ctr"/>
+            <a:endParaRPr lang="zh-CN" altLang="en-US" dirty="0"/>
+          </a:p>
+        </p:txBody>
+      </p:sp>
+      <p:sp>
+        <p:nvSpPr>
+          <p:cNvPr id="72" name="圆角矩形 71"/>
+          <p:cNvSpPr/>
+          <p:nvPr/>
+        </p:nvSpPr>
+        <p:spPr>
+          <a:xfrm>
+            <a:off x="1682170" y="1438184"/>
+            <a:ext cx="2761562" cy="3266980"/>
+          </a:xfrm>
+          <a:prstGeom prst="roundRect">
+            <a:avLst/>
+          </a:prstGeom>
+          <a:solidFill>
+            <a:schemeClr val="accent1">
+              <a:lumMod val="20000"/>
+              <a:lumOff val="80000"/>
+            </a:schemeClr>
+          </a:solidFill>
+          <a:ln>
+            <a:solidFill>
+              <a:schemeClr val="bg1"/>
+            </a:solidFill>
+          </a:ln>
+        </p:spPr>
+        <p:style>
+          <a:lnRef idx="2">
+            <a:schemeClr val="accent1">
+              <a:shade val="50000"/>
+            </a:schemeClr>
+          </a:lnRef>
+          <a:fillRef idx="1">
+            <a:schemeClr val="accent1"/>
+          </a:fillRef>
+          <a:effectRef idx="0">
+            <a:schemeClr val="accent1"/>
+          </a:effectRef>
+          <a:fontRef idx="minor">
+            <a:schemeClr val="lt1"/>
+          </a:fontRef>
+        </p:style>
+        <p:txBody>
+          <a:bodyPr rtlCol="0" anchor="ctr"/>
+          <a:lstStyle/>
+          <a:p>
+            <a:pPr algn="ctr"/>
+            <a:endParaRPr lang="zh-CN" altLang="en-US" dirty="0"/>
+          </a:p>
+        </p:txBody>
+      </p:sp>
+      <p:cxnSp>
+        <p:nvCxnSpPr>
+          <p:cNvPr id="111" name="直接箭头连接符 110"/>
+          <p:cNvCxnSpPr>
+            <a:endCxn id="39" idx="1"/>
+          </p:cNvCxnSpPr>
+          <p:nvPr/>
+        </p:nvCxnSpPr>
+        <p:spPr>
+          <a:xfrm>
+            <a:off x="1271975" y="2637723"/>
+            <a:ext cx="642370" cy="5865"/>
+          </a:xfrm>
+          <a:prstGeom prst="straightConnector1">
+            <a:avLst/>
+          </a:prstGeom>
+          <a:ln>
+            <a:tailEnd type="triangle"/>
+          </a:ln>
+        </p:spPr>
+        <p:style>
+          <a:lnRef idx="1">
+            <a:schemeClr val="accent1"/>
+          </a:lnRef>
+          <a:fillRef idx="0">
+            <a:schemeClr val="accent1"/>
+          </a:fillRef>
+          <a:effectRef idx="0">
+            <a:schemeClr val="accent1"/>
+          </a:effectRef>
+          <a:fontRef idx="minor">
+            <a:schemeClr val="tx1"/>
+          </a:fontRef>
+        </p:style>
+      </p:cxnSp>
+      <p:sp>
+        <p:nvSpPr>
+          <p:cNvPr id="130" name="文本框 129"/>
+          <p:cNvSpPr txBox="1"/>
+          <p:nvPr/>
+        </p:nvSpPr>
+        <p:spPr>
+          <a:xfrm>
+            <a:off x="1117108" y="2387284"/>
+            <a:ext cx="842361" cy="276999"/>
+          </a:xfrm>
+          <a:prstGeom prst="rect">
+            <a:avLst/>
+          </a:prstGeom>
+          <a:noFill/>
+        </p:spPr>
+        <p:txBody>
+          <a:bodyPr wrap="square" rtlCol="0">
+            <a:spAutoFit/>
+          </a:bodyPr>
+          <a:lstStyle/>
+          <a:p>
+            <a:r>
+              <a:rPr lang="en-US" altLang="zh-CN" sz="1200" dirty="0" smtClean="0">
+                <a:latin typeface="Calibri" panose="020F0502020204030204" pitchFamily="34" charset="0"/>
+                <a:cs typeface="Calibri" panose="020F0502020204030204" pitchFamily="34" charset="0"/>
+              </a:rPr>
+              <a:t>setpoint</a:t>
+            </a:r>
+            <a:endParaRPr lang="zh-CN" altLang="en-US" sz="1200" dirty="0">
+              <a:latin typeface="Calibri" panose="020F0502020204030204" pitchFamily="34" charset="0"/>
+              <a:cs typeface="Calibri" panose="020F0502020204030204" pitchFamily="34" charset="0"/>
+            </a:endParaRPr>
+          </a:p>
+        </p:txBody>
+      </p:sp>
+      <p:sp>
+        <p:nvSpPr>
+          <p:cNvPr id="39" name="圆角矩形 38"/>
+          <p:cNvSpPr/>
+          <p:nvPr/>
+        </p:nvSpPr>
+        <p:spPr>
+          <a:xfrm>
+            <a:off x="1914345" y="2014816"/>
+            <a:ext cx="507801" cy="1257544"/>
+          </a:xfrm>
+          <a:prstGeom prst="roundRect">
+            <a:avLst/>
+          </a:prstGeom>
+        </p:spPr>
+        <p:style>
+          <a:lnRef idx="2">
+            <a:schemeClr val="accent1">
+              <a:shade val="50000"/>
+            </a:schemeClr>
+          </a:lnRef>
+          <a:fillRef idx="1">
+            <a:schemeClr val="accent1"/>
+          </a:fillRef>
+          <a:effectRef idx="0">
+            <a:schemeClr val="accent1"/>
+          </a:effectRef>
+          <a:fontRef idx="minor">
+            <a:schemeClr val="lt1"/>
+          </a:fontRef>
+        </p:style>
+        <p:txBody>
+          <a:bodyPr rtlCol="0" anchor="ctr"/>
+          <a:lstStyle/>
+          <a:p>
+            <a:pPr algn="ctr"/>
+            <a:r>
+              <a:rPr lang="en-US" altLang="zh-CN" sz="1200" dirty="0" smtClean="0"/>
+              <a:t>TD</a:t>
+            </a:r>
+          </a:p>
+        </p:txBody>
+      </p:sp>
+      <p:cxnSp>
+        <p:nvCxnSpPr>
+          <p:cNvPr id="37" name="直接箭头连接符 36"/>
+          <p:cNvCxnSpPr>
+            <a:endCxn id="106" idx="2"/>
+          </p:cNvCxnSpPr>
+          <p:nvPr/>
+        </p:nvCxnSpPr>
+        <p:spPr>
+          <a:xfrm>
+            <a:off x="2428418" y="2951843"/>
+            <a:ext cx="522321" cy="507"/>
+          </a:xfrm>
+          <a:prstGeom prst="straightConnector1">
+            <a:avLst/>
+          </a:prstGeom>
+          <a:ln>
+            <a:tailEnd type="triangle"/>
+          </a:ln>
+        </p:spPr>
+        <p:style>
+          <a:lnRef idx="1">
+            <a:schemeClr val="accent1"/>
+          </a:lnRef>
+          <a:fillRef idx="0">
+            <a:schemeClr val="accent1"/>
+          </a:fillRef>
+          <a:effectRef idx="0">
+            <a:schemeClr val="accent1"/>
+          </a:effectRef>
+          <a:fontRef idx="minor">
+            <a:schemeClr val="tx1"/>
+          </a:fontRef>
+        </p:style>
+      </p:cxnSp>
+      <p:sp>
+        <p:nvSpPr>
+          <p:cNvPr id="203" name="文本框 202"/>
+          <p:cNvSpPr txBox="1"/>
+          <p:nvPr/>
+        </p:nvSpPr>
+        <p:spPr>
+          <a:xfrm>
+            <a:off x="2551452" y="2116892"/>
+            <a:ext cx="475171" cy="276999"/>
+          </a:xfrm>
+          <a:prstGeom prst="rect">
+            <a:avLst/>
+          </a:prstGeom>
+          <a:noFill/>
+        </p:spPr>
+        <p:txBody>
+          <a:bodyPr wrap="square" rtlCol="0">
+            <a:spAutoFit/>
+          </a:bodyPr>
+          <a:lstStyle/>
+          <a:p>
+            <a:r>
+              <a:rPr lang="en-US" altLang="zh-CN" sz="1200" dirty="0" smtClean="0">
+                <a:latin typeface="Calibri" panose="020F0502020204030204" pitchFamily="34" charset="0"/>
+                <a:cs typeface="Calibri" panose="020F0502020204030204" pitchFamily="34" charset="0"/>
+              </a:rPr>
+              <a:t>Z_d</a:t>
+            </a:r>
+            <a:endParaRPr lang="zh-CN" altLang="en-US" sz="1200" dirty="0">
+              <a:latin typeface="Calibri" panose="020F0502020204030204" pitchFamily="34" charset="0"/>
+              <a:cs typeface="Calibri" panose="020F0502020204030204" pitchFamily="34" charset="0"/>
+            </a:endParaRPr>
+          </a:p>
+        </p:txBody>
+      </p:sp>
+      <p:sp>
+        <p:nvSpPr>
+          <p:cNvPr id="204" name="文本框 203"/>
+          <p:cNvSpPr txBox="1"/>
+          <p:nvPr/>
+        </p:nvSpPr>
+        <p:spPr>
+          <a:xfrm>
+            <a:off x="2424192" y="2715404"/>
+            <a:ext cx="642102" cy="276999"/>
+          </a:xfrm>
+          <a:prstGeom prst="rect">
+            <a:avLst/>
+          </a:prstGeom>
+          <a:noFill/>
+        </p:spPr>
+        <p:txBody>
+          <a:bodyPr wrap="square" rtlCol="0">
+            <a:spAutoFit/>
+          </a:bodyPr>
+          <a:lstStyle/>
+          <a:p>
+            <a:r>
+              <a:rPr lang="en-US" altLang="zh-CN" sz="1200" dirty="0" smtClean="0">
+                <a:latin typeface="Calibri" panose="020F0502020204030204" pitchFamily="34" charset="0"/>
+                <a:cs typeface="Calibri" panose="020F0502020204030204" pitchFamily="34" charset="0"/>
+              </a:rPr>
+              <a:t>VZ_d</a:t>
+            </a:r>
+            <a:endParaRPr lang="zh-CN" altLang="en-US" sz="1200" dirty="0">
+              <a:latin typeface="Calibri" panose="020F0502020204030204" pitchFamily="34" charset="0"/>
+              <a:cs typeface="Calibri" panose="020F0502020204030204" pitchFamily="34" charset="0"/>
+            </a:endParaRPr>
+          </a:p>
+        </p:txBody>
+      </p:sp>
+      <p:sp>
+        <p:nvSpPr>
+          <p:cNvPr id="228" name="圆角矩形 227"/>
+          <p:cNvSpPr/>
+          <p:nvPr/>
+        </p:nvSpPr>
+        <p:spPr>
+          <a:xfrm>
+            <a:off x="360218" y="304800"/>
+            <a:ext cx="3210016" cy="905163"/>
+          </a:xfrm>
+          <a:prstGeom prst="roundRect">
+            <a:avLst/>
+          </a:prstGeom>
+          <a:solidFill>
+            <a:srgbClr val="FF0000"/>
+          </a:solidFill>
+        </p:spPr>
+        <p:style>
+          <a:lnRef idx="2">
+            <a:schemeClr val="accent1">
+              <a:shade val="50000"/>
+            </a:schemeClr>
+          </a:lnRef>
+          <a:fillRef idx="1">
+            <a:schemeClr val="accent1"/>
+          </a:fillRef>
+          <a:effectRef idx="0">
+            <a:schemeClr val="accent1"/>
+          </a:effectRef>
+          <a:fontRef idx="minor">
+            <a:schemeClr val="lt1"/>
+          </a:fontRef>
+        </p:style>
+        <p:txBody>
+          <a:bodyPr rtlCol="0" anchor="ctr"/>
+          <a:lstStyle/>
+          <a:p>
+            <a:pPr algn="ctr"/>
+            <a:r>
+              <a:rPr lang="en-US" altLang="zh-CN" dirty="0" smtClean="0"/>
+              <a:t>The control block diagram</a:t>
+            </a:r>
+          </a:p>
+          <a:p>
+            <a:pPr algn="ctr"/>
+            <a:r>
+              <a:rPr lang="en-US" altLang="zh-CN" dirty="0" smtClean="0"/>
+              <a:t> in this program</a:t>
+            </a:r>
+            <a:endParaRPr lang="zh-CN" altLang="en-US" dirty="0"/>
+          </a:p>
+        </p:txBody>
+      </p:sp>
+      <p:cxnSp>
+        <p:nvCxnSpPr>
+          <p:cNvPr id="6" name="直接箭头连接符 5"/>
+          <p:cNvCxnSpPr>
+            <a:endCxn id="103" idx="2"/>
+          </p:cNvCxnSpPr>
+          <p:nvPr/>
+        </p:nvCxnSpPr>
+        <p:spPr>
+          <a:xfrm>
+            <a:off x="2423924" y="2339041"/>
+            <a:ext cx="791028" cy="0"/>
+          </a:xfrm>
+          <a:prstGeom prst="straightConnector1">
+            <a:avLst/>
+          </a:prstGeom>
+          <a:ln>
+            <a:tailEnd type="triangle"/>
+          </a:ln>
+        </p:spPr>
+        <p:style>
+          <a:lnRef idx="1">
+            <a:schemeClr val="accent1"/>
+          </a:lnRef>
+          <a:fillRef idx="0">
+            <a:schemeClr val="accent1"/>
+          </a:fillRef>
+          <a:effectRef idx="0">
+            <a:schemeClr val="accent1"/>
+          </a:effectRef>
+          <a:fontRef idx="minor">
+            <a:schemeClr val="tx1"/>
+          </a:fontRef>
+        </p:style>
+      </p:cxnSp>
+      <p:sp>
+        <p:nvSpPr>
+          <p:cNvPr id="101" name="圆角矩形 100"/>
+          <p:cNvSpPr/>
+          <p:nvPr/>
+        </p:nvSpPr>
+        <p:spPr>
+          <a:xfrm>
+            <a:off x="3664373" y="2003085"/>
+            <a:ext cx="555712" cy="1269275"/>
+          </a:xfrm>
+          <a:prstGeom prst="roundRect">
+            <a:avLst/>
+          </a:prstGeom>
+        </p:spPr>
+        <p:style>
+          <a:lnRef idx="2">
+            <a:schemeClr val="accent1">
+              <a:shade val="50000"/>
+            </a:schemeClr>
+          </a:lnRef>
+          <a:fillRef idx="1">
+            <a:schemeClr val="accent1"/>
+          </a:fillRef>
+          <a:effectRef idx="0">
+            <a:schemeClr val="accent1"/>
+          </a:effectRef>
+          <a:fontRef idx="minor">
+            <a:schemeClr val="lt1"/>
+          </a:fontRef>
+        </p:style>
+        <p:txBody>
+          <a:bodyPr vert="eaVert" rtlCol="0" anchor="ctr"/>
+          <a:lstStyle/>
+          <a:p>
+            <a:pPr algn="ctr"/>
+            <a:r>
+              <a:rPr lang="en-US" altLang="zh-CN" sz="1200" dirty="0" smtClean="0"/>
+              <a:t>PID_Z</a:t>
+            </a:r>
+          </a:p>
+        </p:txBody>
+      </p:sp>
+      <p:sp>
+        <p:nvSpPr>
+          <p:cNvPr id="103" name="流程图: 接点 102"/>
+          <p:cNvSpPr/>
+          <p:nvPr/>
+        </p:nvSpPr>
+        <p:spPr>
+          <a:xfrm>
+            <a:off x="3214952" y="2241387"/>
+            <a:ext cx="195308" cy="195308"/>
+          </a:xfrm>
+          <a:prstGeom prst="flowChartConnector">
+            <a:avLst/>
+          </a:prstGeom>
+          <a:noFill/>
+          <a:ln>
+            <a:solidFill>
+              <a:schemeClr val="accent1"/>
+            </a:solidFill>
+          </a:ln>
+        </p:spPr>
+        <p:style>
+          <a:lnRef idx="2">
+            <a:schemeClr val="accent1">
+              <a:shade val="50000"/>
+            </a:schemeClr>
+          </a:lnRef>
+          <a:fillRef idx="1">
+            <a:schemeClr val="accent1"/>
+          </a:fillRef>
+          <a:effectRef idx="0">
+            <a:schemeClr val="accent1"/>
+          </a:effectRef>
+          <a:fontRef idx="minor">
+            <a:schemeClr val="lt1"/>
+          </a:fontRef>
+        </p:style>
+        <p:txBody>
+          <a:bodyPr rtlCol="0" anchor="ctr"/>
+          <a:lstStyle/>
+          <a:p>
+            <a:pPr algn="ctr"/>
+            <a:endParaRPr lang="zh-CN" altLang="en-US"/>
+          </a:p>
+        </p:txBody>
+      </p:sp>
+      <p:sp>
+        <p:nvSpPr>
+          <p:cNvPr id="104" name="加号 103"/>
+          <p:cNvSpPr/>
+          <p:nvPr/>
+        </p:nvSpPr>
+        <p:spPr>
+          <a:xfrm>
+            <a:off x="3148861" y="2197299"/>
+            <a:ext cx="90000" cy="88174"/>
+          </a:xfrm>
+          <a:prstGeom prst="mathPlus">
+            <a:avLst/>
+          </a:prstGeom>
+          <a:ln w="0">
+            <a:noFill/>
+          </a:ln>
+        </p:spPr>
+        <p:style>
+          <a:lnRef idx="2">
+            <a:schemeClr val="accent1">
+              <a:shade val="50000"/>
+            </a:schemeClr>
+          </a:lnRef>
+          <a:fillRef idx="1">
+            <a:schemeClr val="accent1"/>
+          </a:fillRef>
+          <a:effectRef idx="0">
+            <a:schemeClr val="accent1"/>
+          </a:effectRef>
+          <a:fontRef idx="minor">
+            <a:schemeClr val="lt1"/>
+          </a:fontRef>
+        </p:style>
+        <p:txBody>
+          <a:bodyPr rtlCol="0" anchor="ctr"/>
+          <a:lstStyle/>
+          <a:p>
+            <a:pPr algn="ctr"/>
+            <a:endParaRPr lang="zh-CN" altLang="en-US"/>
+          </a:p>
+        </p:txBody>
+      </p:sp>
+      <p:sp>
+        <p:nvSpPr>
+          <p:cNvPr id="105" name="减号 104"/>
+          <p:cNvSpPr/>
+          <p:nvPr/>
+        </p:nvSpPr>
+        <p:spPr>
+          <a:xfrm>
+            <a:off x="3361645" y="2442927"/>
+            <a:ext cx="90000" cy="90000"/>
+          </a:xfrm>
+          <a:prstGeom prst="mathMinus">
+            <a:avLst/>
+          </a:prstGeom>
+          <a:ln>
+            <a:noFill/>
+          </a:ln>
+        </p:spPr>
+        <p:style>
+          <a:lnRef idx="2">
+            <a:schemeClr val="accent1">
+              <a:shade val="50000"/>
+            </a:schemeClr>
+          </a:lnRef>
+          <a:fillRef idx="1">
+            <a:schemeClr val="accent1"/>
+          </a:fillRef>
+          <a:effectRef idx="0">
+            <a:schemeClr val="accent1"/>
+          </a:effectRef>
+          <a:fontRef idx="minor">
+            <a:schemeClr val="lt1"/>
+          </a:fontRef>
+        </p:style>
+        <p:txBody>
+          <a:bodyPr rtlCol="0" anchor="ctr"/>
+          <a:lstStyle/>
+          <a:p>
+            <a:pPr algn="ctr"/>
+            <a:endParaRPr lang="zh-CN" altLang="en-US"/>
+          </a:p>
+        </p:txBody>
+      </p:sp>
+      <p:sp>
+        <p:nvSpPr>
+          <p:cNvPr id="106" name="流程图: 接点 105"/>
+          <p:cNvSpPr/>
+          <p:nvPr/>
+        </p:nvSpPr>
+        <p:spPr>
+          <a:xfrm>
+            <a:off x="2950739" y="2854696"/>
+            <a:ext cx="195308" cy="195308"/>
+          </a:xfrm>
+          <a:prstGeom prst="flowChartConnector">
+            <a:avLst/>
+          </a:prstGeom>
+          <a:noFill/>
+          <a:ln>
+            <a:solidFill>
+              <a:schemeClr val="accent1"/>
+            </a:solidFill>
+          </a:ln>
+        </p:spPr>
+        <p:style>
+          <a:lnRef idx="2">
+            <a:schemeClr val="accent1">
+              <a:shade val="50000"/>
+            </a:schemeClr>
+          </a:lnRef>
+          <a:fillRef idx="1">
+            <a:schemeClr val="accent1"/>
+          </a:fillRef>
+          <a:effectRef idx="0">
+            <a:schemeClr val="accent1"/>
+          </a:effectRef>
+          <a:fontRef idx="minor">
+            <a:schemeClr val="lt1"/>
+          </a:fontRef>
+        </p:style>
+        <p:txBody>
+          <a:bodyPr rtlCol="0" anchor="ctr"/>
+          <a:lstStyle/>
+          <a:p>
+            <a:pPr algn="ctr"/>
+            <a:endParaRPr lang="zh-CN" altLang="en-US"/>
+          </a:p>
+        </p:txBody>
+      </p:sp>
+      <p:sp>
+        <p:nvSpPr>
+          <p:cNvPr id="107" name="加号 106"/>
+          <p:cNvSpPr/>
+          <p:nvPr/>
+        </p:nvSpPr>
+        <p:spPr>
+          <a:xfrm>
+            <a:off x="2879620" y="2808510"/>
+            <a:ext cx="90000" cy="88174"/>
+          </a:xfrm>
+          <a:prstGeom prst="mathPlus">
+            <a:avLst/>
+          </a:prstGeom>
+          <a:ln w="0">
+            <a:noFill/>
+          </a:ln>
+        </p:spPr>
+        <p:style>
+          <a:lnRef idx="2">
+            <a:schemeClr val="accent1">
+              <a:shade val="50000"/>
+            </a:schemeClr>
+          </a:lnRef>
+          <a:fillRef idx="1">
+            <a:schemeClr val="accent1"/>
+          </a:fillRef>
+          <a:effectRef idx="0">
+            <a:schemeClr val="accent1"/>
+          </a:effectRef>
+          <a:fontRef idx="minor">
+            <a:schemeClr val="lt1"/>
+          </a:fontRef>
+        </p:style>
+        <p:txBody>
+          <a:bodyPr rtlCol="0" anchor="ctr"/>
+          <a:lstStyle/>
+          <a:p>
+            <a:pPr algn="ctr"/>
+            <a:endParaRPr lang="zh-CN" altLang="en-US"/>
+          </a:p>
+        </p:txBody>
+      </p:sp>
+      <p:sp>
+        <p:nvSpPr>
+          <p:cNvPr id="108" name="减号 107"/>
+          <p:cNvSpPr/>
+          <p:nvPr/>
+        </p:nvSpPr>
+        <p:spPr>
+          <a:xfrm>
+            <a:off x="3077144" y="3054980"/>
+            <a:ext cx="90000" cy="90000"/>
+          </a:xfrm>
+          <a:prstGeom prst="mathMinus">
+            <a:avLst/>
+          </a:prstGeom>
+          <a:ln>
+            <a:noFill/>
+          </a:ln>
+        </p:spPr>
+        <p:style>
+          <a:lnRef idx="2">
+            <a:schemeClr val="accent1">
+              <a:shade val="50000"/>
+            </a:schemeClr>
+          </a:lnRef>
+          <a:fillRef idx="1">
+            <a:schemeClr val="accent1"/>
+          </a:fillRef>
+          <a:effectRef idx="0">
+            <a:schemeClr val="accent1"/>
+          </a:effectRef>
+          <a:fontRef idx="minor">
+            <a:schemeClr val="lt1"/>
+          </a:fontRef>
+        </p:style>
+        <p:txBody>
+          <a:bodyPr rtlCol="0" anchor="ctr"/>
+          <a:lstStyle/>
+          <a:p>
+            <a:pPr algn="ctr"/>
+            <a:endParaRPr lang="zh-CN" altLang="en-US"/>
+          </a:p>
+        </p:txBody>
+      </p:sp>
+      <p:sp>
+        <p:nvSpPr>
+          <p:cNvPr id="109" name="圆角矩形 108"/>
+          <p:cNvSpPr/>
+          <p:nvPr/>
+        </p:nvSpPr>
+        <p:spPr>
+          <a:xfrm>
+            <a:off x="4823473" y="2013846"/>
+            <a:ext cx="515382" cy="1245814"/>
+          </a:xfrm>
+          <a:prstGeom prst="roundRect">
+            <a:avLst/>
+          </a:prstGeom>
+        </p:spPr>
+        <p:style>
+          <a:lnRef idx="2">
+            <a:schemeClr val="accent1">
+              <a:shade val="50000"/>
+            </a:schemeClr>
+          </a:lnRef>
+          <a:fillRef idx="1">
+            <a:schemeClr val="accent1"/>
+          </a:fillRef>
+          <a:effectRef idx="0">
+            <a:schemeClr val="accent1"/>
+          </a:effectRef>
+          <a:fontRef idx="minor">
+            <a:schemeClr val="lt1"/>
+          </a:fontRef>
+        </p:style>
+        <p:txBody>
+          <a:bodyPr rtlCol="0" anchor="ctr"/>
+          <a:lstStyle/>
+          <a:p>
+            <a:pPr algn="ctr"/>
+            <a:r>
+              <a:rPr lang="en-US" altLang="zh-CN" sz="1200" dirty="0" smtClean="0"/>
+              <a:t>TD</a:t>
+            </a:r>
+          </a:p>
+        </p:txBody>
+      </p:sp>
+      <p:sp>
+        <p:nvSpPr>
+          <p:cNvPr id="112" name="文本框 111"/>
+          <p:cNvSpPr txBox="1"/>
+          <p:nvPr/>
+        </p:nvSpPr>
+        <p:spPr>
+          <a:xfrm>
+            <a:off x="5272288" y="2118675"/>
+            <a:ext cx="577098" cy="276999"/>
+          </a:xfrm>
+          <a:prstGeom prst="rect">
+            <a:avLst/>
+          </a:prstGeom>
+          <a:noFill/>
+        </p:spPr>
+        <p:txBody>
+          <a:bodyPr wrap="square" rtlCol="0">
+            <a:spAutoFit/>
+          </a:bodyPr>
+          <a:lstStyle/>
+          <a:p>
+            <a:r>
+              <a:rPr lang="en-US" altLang="zh-CN" sz="1200" dirty="0" smtClean="0">
+                <a:latin typeface="Calibri" panose="020F0502020204030204" pitchFamily="34" charset="0"/>
+                <a:cs typeface="Calibri" panose="020F0502020204030204" pitchFamily="34" charset="0"/>
+              </a:rPr>
+              <a:t>VZ_d’</a:t>
+            </a:r>
+            <a:endParaRPr lang="zh-CN" altLang="en-US" sz="1200" dirty="0">
+              <a:latin typeface="Calibri" panose="020F0502020204030204" pitchFamily="34" charset="0"/>
+              <a:cs typeface="Calibri" panose="020F0502020204030204" pitchFamily="34" charset="0"/>
+            </a:endParaRPr>
+          </a:p>
+        </p:txBody>
+      </p:sp>
+      <p:sp>
+        <p:nvSpPr>
+          <p:cNvPr id="113" name="文本框 112"/>
+          <p:cNvSpPr txBox="1"/>
+          <p:nvPr/>
+        </p:nvSpPr>
+        <p:spPr>
+          <a:xfrm>
+            <a:off x="5277285" y="2684173"/>
+            <a:ext cx="642102" cy="276999"/>
+          </a:xfrm>
+          <a:prstGeom prst="rect">
+            <a:avLst/>
+          </a:prstGeom>
+          <a:noFill/>
+        </p:spPr>
+        <p:txBody>
+          <a:bodyPr wrap="square" rtlCol="0">
+            <a:spAutoFit/>
+          </a:bodyPr>
+          <a:lstStyle/>
+          <a:p>
+            <a:r>
+              <a:rPr lang="en-US" altLang="zh-CN" sz="1200" dirty="0" smtClean="0">
+                <a:latin typeface="Calibri" panose="020F0502020204030204" pitchFamily="34" charset="0"/>
+                <a:cs typeface="Calibri" panose="020F0502020204030204" pitchFamily="34" charset="0"/>
+              </a:rPr>
+              <a:t>aZ_d</a:t>
+            </a:r>
+            <a:endParaRPr lang="zh-CN" altLang="en-US" sz="1200" dirty="0">
+              <a:latin typeface="Calibri" panose="020F0502020204030204" pitchFamily="34" charset="0"/>
+              <a:cs typeface="Calibri" panose="020F0502020204030204" pitchFamily="34" charset="0"/>
+            </a:endParaRPr>
+          </a:p>
+        </p:txBody>
+      </p:sp>
+      <p:cxnSp>
+        <p:nvCxnSpPr>
+          <p:cNvPr id="114" name="直接箭头连接符 113"/>
+          <p:cNvCxnSpPr/>
+          <p:nvPr/>
+        </p:nvCxnSpPr>
+        <p:spPr>
+          <a:xfrm>
+            <a:off x="5334004" y="2346690"/>
+            <a:ext cx="670249" cy="0"/>
+          </a:xfrm>
+          <a:prstGeom prst="straightConnector1">
+            <a:avLst/>
+          </a:prstGeom>
+          <a:ln>
+            <a:tailEnd type="triangle"/>
+          </a:ln>
+        </p:spPr>
+        <p:style>
+          <a:lnRef idx="1">
+            <a:schemeClr val="accent1"/>
+          </a:lnRef>
+          <a:fillRef idx="0">
+            <a:schemeClr val="accent1"/>
+          </a:fillRef>
+          <a:effectRef idx="0">
+            <a:schemeClr val="accent1"/>
+          </a:effectRef>
+          <a:fontRef idx="minor">
+            <a:schemeClr val="tx1"/>
+          </a:fontRef>
+        </p:style>
+      </p:cxnSp>
+      <p:sp>
+        <p:nvSpPr>
+          <p:cNvPr id="115" name="流程图: 接点 114"/>
+          <p:cNvSpPr/>
+          <p:nvPr/>
+        </p:nvSpPr>
+        <p:spPr>
+          <a:xfrm>
+            <a:off x="6014222" y="2248530"/>
+            <a:ext cx="195308" cy="195308"/>
+          </a:xfrm>
+          <a:prstGeom prst="flowChartConnector">
+            <a:avLst/>
+          </a:prstGeom>
+          <a:noFill/>
+          <a:ln>
+            <a:solidFill>
+              <a:schemeClr val="accent1"/>
+            </a:solidFill>
+          </a:ln>
+        </p:spPr>
+        <p:style>
+          <a:lnRef idx="2">
+            <a:schemeClr val="accent1">
+              <a:shade val="50000"/>
+            </a:schemeClr>
+          </a:lnRef>
+          <a:fillRef idx="1">
+            <a:schemeClr val="accent1"/>
+          </a:fillRef>
+          <a:effectRef idx="0">
+            <a:schemeClr val="accent1"/>
+          </a:effectRef>
+          <a:fontRef idx="minor">
+            <a:schemeClr val="lt1"/>
+          </a:fontRef>
+        </p:style>
+        <p:txBody>
+          <a:bodyPr rtlCol="0" anchor="ctr"/>
+          <a:lstStyle/>
+          <a:p>
+            <a:pPr algn="ctr"/>
+            <a:endParaRPr lang="zh-CN" altLang="en-US"/>
+          </a:p>
+        </p:txBody>
+      </p:sp>
+      <p:sp>
+        <p:nvSpPr>
+          <p:cNvPr id="116" name="加号 115"/>
+          <p:cNvSpPr/>
+          <p:nvPr/>
+        </p:nvSpPr>
+        <p:spPr>
+          <a:xfrm>
+            <a:off x="5948131" y="2190156"/>
+            <a:ext cx="90000" cy="88174"/>
+          </a:xfrm>
+          <a:prstGeom prst="mathPlus">
+            <a:avLst/>
+          </a:prstGeom>
+          <a:ln w="0">
+            <a:noFill/>
+          </a:ln>
+        </p:spPr>
+        <p:style>
+          <a:lnRef idx="2">
+            <a:schemeClr val="accent1">
+              <a:shade val="50000"/>
+            </a:schemeClr>
+          </a:lnRef>
+          <a:fillRef idx="1">
+            <a:schemeClr val="accent1"/>
+          </a:fillRef>
+          <a:effectRef idx="0">
+            <a:schemeClr val="accent1"/>
+          </a:effectRef>
+          <a:fontRef idx="minor">
+            <a:schemeClr val="lt1"/>
+          </a:fontRef>
+        </p:style>
+        <p:txBody>
+          <a:bodyPr rtlCol="0" anchor="ctr"/>
+          <a:lstStyle/>
+          <a:p>
+            <a:pPr algn="ctr"/>
+            <a:endParaRPr lang="zh-CN" altLang="en-US"/>
+          </a:p>
+        </p:txBody>
+      </p:sp>
+      <p:sp>
+        <p:nvSpPr>
+          <p:cNvPr id="117" name="减号 116"/>
+          <p:cNvSpPr/>
+          <p:nvPr/>
+        </p:nvSpPr>
+        <p:spPr>
+          <a:xfrm>
+            <a:off x="6160915" y="2435784"/>
+            <a:ext cx="90000" cy="90000"/>
+          </a:xfrm>
+          <a:prstGeom prst="mathMinus">
+            <a:avLst/>
+          </a:prstGeom>
+          <a:ln>
+            <a:noFill/>
+          </a:ln>
+        </p:spPr>
+        <p:style>
+          <a:lnRef idx="2">
+            <a:schemeClr val="accent1">
+              <a:shade val="50000"/>
+            </a:schemeClr>
+          </a:lnRef>
+          <a:fillRef idx="1">
+            <a:schemeClr val="accent1"/>
+          </a:fillRef>
+          <a:effectRef idx="0">
+            <a:schemeClr val="accent1"/>
+          </a:effectRef>
+          <a:fontRef idx="minor">
+            <a:schemeClr val="lt1"/>
+          </a:fontRef>
+        </p:style>
+        <p:txBody>
+          <a:bodyPr rtlCol="0" anchor="ctr"/>
+          <a:lstStyle/>
+          <a:p>
+            <a:pPr algn="ctr"/>
+            <a:endParaRPr lang="zh-CN" altLang="en-US"/>
+          </a:p>
+        </p:txBody>
+      </p:sp>
+      <p:sp>
+        <p:nvSpPr>
+          <p:cNvPr id="118" name="流程图: 接点 117"/>
+          <p:cNvSpPr/>
+          <p:nvPr/>
+        </p:nvSpPr>
+        <p:spPr>
+          <a:xfrm>
+            <a:off x="5750009" y="2854696"/>
+            <a:ext cx="195308" cy="195308"/>
+          </a:xfrm>
+          <a:prstGeom prst="flowChartConnector">
+            <a:avLst/>
+          </a:prstGeom>
+          <a:noFill/>
+          <a:ln>
+            <a:solidFill>
+              <a:schemeClr val="accent1"/>
+            </a:solidFill>
+          </a:ln>
+        </p:spPr>
+        <p:style>
+          <a:lnRef idx="2">
+            <a:schemeClr val="accent1">
+              <a:shade val="50000"/>
+            </a:schemeClr>
+          </a:lnRef>
+          <a:fillRef idx="1">
+            <a:schemeClr val="accent1"/>
+          </a:fillRef>
+          <a:effectRef idx="0">
+            <a:schemeClr val="accent1"/>
+          </a:effectRef>
+          <a:fontRef idx="minor">
+            <a:schemeClr val="lt1"/>
+          </a:fontRef>
+        </p:style>
+        <p:txBody>
+          <a:bodyPr rtlCol="0" anchor="ctr"/>
+          <a:lstStyle/>
+          <a:p>
+            <a:pPr algn="ctr"/>
+            <a:endParaRPr lang="zh-CN" altLang="en-US"/>
+          </a:p>
+        </p:txBody>
+      </p:sp>
+      <p:sp>
+        <p:nvSpPr>
+          <p:cNvPr id="119" name="加号 118"/>
+          <p:cNvSpPr/>
+          <p:nvPr/>
+        </p:nvSpPr>
+        <p:spPr>
+          <a:xfrm>
+            <a:off x="5678890" y="2808510"/>
+            <a:ext cx="90000" cy="88174"/>
+          </a:xfrm>
+          <a:prstGeom prst="mathPlus">
+            <a:avLst/>
+          </a:prstGeom>
+          <a:ln w="0">
+            <a:noFill/>
+          </a:ln>
+        </p:spPr>
+        <p:style>
+          <a:lnRef idx="2">
+            <a:schemeClr val="accent1">
+              <a:shade val="50000"/>
+            </a:schemeClr>
+          </a:lnRef>
+          <a:fillRef idx="1">
+            <a:schemeClr val="accent1"/>
+          </a:fillRef>
+          <a:effectRef idx="0">
+            <a:schemeClr val="accent1"/>
+          </a:effectRef>
+          <a:fontRef idx="minor">
+            <a:schemeClr val="lt1"/>
+          </a:fontRef>
+        </p:style>
+        <p:txBody>
+          <a:bodyPr rtlCol="0" anchor="ctr"/>
+          <a:lstStyle/>
+          <a:p>
+            <a:pPr algn="ctr"/>
+            <a:endParaRPr lang="zh-CN" altLang="en-US"/>
+          </a:p>
+        </p:txBody>
+      </p:sp>
+      <p:sp>
+        <p:nvSpPr>
+          <p:cNvPr id="120" name="减号 119"/>
+          <p:cNvSpPr/>
+          <p:nvPr/>
+        </p:nvSpPr>
+        <p:spPr>
+          <a:xfrm>
+            <a:off x="5876414" y="3054980"/>
+            <a:ext cx="90000" cy="90000"/>
+          </a:xfrm>
+          <a:prstGeom prst="mathMinus">
+            <a:avLst/>
+          </a:prstGeom>
+          <a:ln>
+            <a:noFill/>
+          </a:ln>
+        </p:spPr>
+        <p:style>
+          <a:lnRef idx="2">
+            <a:schemeClr val="accent1">
+              <a:shade val="50000"/>
+            </a:schemeClr>
+          </a:lnRef>
+          <a:fillRef idx="1">
+            <a:schemeClr val="accent1"/>
+          </a:fillRef>
+          <a:effectRef idx="0">
+            <a:schemeClr val="accent1"/>
+          </a:effectRef>
+          <a:fontRef idx="minor">
+            <a:schemeClr val="lt1"/>
+          </a:fontRef>
+        </p:style>
+        <p:txBody>
+          <a:bodyPr rtlCol="0" anchor="ctr"/>
+          <a:lstStyle/>
+          <a:p>
+            <a:pPr algn="ctr"/>
+            <a:endParaRPr lang="zh-CN" altLang="en-US"/>
+          </a:p>
+        </p:txBody>
+      </p:sp>
+      <p:cxnSp>
+        <p:nvCxnSpPr>
+          <p:cNvPr id="14" name="直接箭头连接符 13"/>
+          <p:cNvCxnSpPr>
+            <a:endCxn id="118" idx="2"/>
+          </p:cNvCxnSpPr>
+          <p:nvPr/>
+        </p:nvCxnSpPr>
+        <p:spPr>
+          <a:xfrm>
+            <a:off x="5348561" y="2951946"/>
+            <a:ext cx="401448" cy="404"/>
+          </a:xfrm>
+          <a:prstGeom prst="straightConnector1">
+            <a:avLst/>
+          </a:prstGeom>
+          <a:ln>
+            <a:tailEnd type="triangle"/>
+          </a:ln>
+        </p:spPr>
+        <p:style>
+          <a:lnRef idx="1">
+            <a:schemeClr val="accent1"/>
+          </a:lnRef>
+          <a:fillRef idx="0">
+            <a:schemeClr val="accent1"/>
+          </a:fillRef>
+          <a:effectRef idx="0">
+            <a:schemeClr val="accent1"/>
+          </a:effectRef>
+          <a:fontRef idx="minor">
+            <a:schemeClr val="tx1"/>
+          </a:fontRef>
+        </p:style>
+      </p:cxnSp>
+      <p:sp>
+        <p:nvSpPr>
+          <p:cNvPr id="134" name="圆角矩形 133"/>
+          <p:cNvSpPr/>
+          <p:nvPr/>
+        </p:nvSpPr>
+        <p:spPr>
+          <a:xfrm>
+            <a:off x="6797804" y="1991353"/>
+            <a:ext cx="555712" cy="1269275"/>
+          </a:xfrm>
+          <a:prstGeom prst="roundRect">
+            <a:avLst/>
+          </a:prstGeom>
+        </p:spPr>
+        <p:style>
+          <a:lnRef idx="2">
+            <a:schemeClr val="accent1">
+              <a:shade val="50000"/>
+            </a:schemeClr>
+          </a:lnRef>
+          <a:fillRef idx="1">
+            <a:schemeClr val="accent1"/>
+          </a:fillRef>
+          <a:effectRef idx="0">
+            <a:schemeClr val="accent1"/>
+          </a:effectRef>
+          <a:fontRef idx="minor">
+            <a:schemeClr val="lt1"/>
+          </a:fontRef>
+        </p:style>
+        <p:txBody>
+          <a:bodyPr vert="eaVert" rtlCol="0" anchor="ctr"/>
+          <a:lstStyle/>
+          <a:p>
+            <a:pPr algn="ctr"/>
+            <a:r>
+              <a:rPr lang="en-US" altLang="zh-CN" sz="1200" dirty="0" smtClean="0"/>
+              <a:t>NLSEF_VZ</a:t>
+            </a:r>
+          </a:p>
+        </p:txBody>
+      </p:sp>
+      <p:sp>
+        <p:nvSpPr>
+          <p:cNvPr id="139" name="流程图: 接点 138"/>
+          <p:cNvSpPr/>
+          <p:nvPr/>
+        </p:nvSpPr>
+        <p:spPr>
+          <a:xfrm>
+            <a:off x="7781575" y="2531133"/>
+            <a:ext cx="195308" cy="195308"/>
+          </a:xfrm>
+          <a:prstGeom prst="flowChartConnector">
+            <a:avLst/>
+          </a:prstGeom>
+          <a:noFill/>
+          <a:ln>
+            <a:solidFill>
+              <a:schemeClr val="accent1"/>
+            </a:solidFill>
+          </a:ln>
+        </p:spPr>
+        <p:style>
+          <a:lnRef idx="2">
+            <a:schemeClr val="accent1">
+              <a:shade val="50000"/>
+            </a:schemeClr>
+          </a:lnRef>
+          <a:fillRef idx="1">
+            <a:schemeClr val="accent1"/>
+          </a:fillRef>
+          <a:effectRef idx="0">
+            <a:schemeClr val="accent1"/>
+          </a:effectRef>
+          <a:fontRef idx="minor">
+            <a:schemeClr val="lt1"/>
+          </a:fontRef>
+        </p:style>
+        <p:txBody>
+          <a:bodyPr rtlCol="0" anchor="ctr"/>
+          <a:lstStyle/>
+          <a:p>
+            <a:pPr algn="ctr"/>
+            <a:endParaRPr lang="zh-CN" altLang="en-US"/>
+          </a:p>
+        </p:txBody>
+      </p:sp>
+      <p:sp>
+        <p:nvSpPr>
+          <p:cNvPr id="146" name="加号 145"/>
+          <p:cNvSpPr/>
+          <p:nvPr/>
+        </p:nvSpPr>
+        <p:spPr>
+          <a:xfrm>
+            <a:off x="7715484" y="2487045"/>
+            <a:ext cx="90000" cy="88174"/>
+          </a:xfrm>
+          <a:prstGeom prst="mathPlus">
+            <a:avLst/>
+          </a:prstGeom>
+          <a:ln w="0">
+            <a:noFill/>
+          </a:ln>
+        </p:spPr>
+        <p:style>
+          <a:lnRef idx="2">
+            <a:schemeClr val="accent1">
+              <a:shade val="50000"/>
+            </a:schemeClr>
+          </a:lnRef>
+          <a:fillRef idx="1">
+            <a:schemeClr val="accent1"/>
+          </a:fillRef>
+          <a:effectRef idx="0">
+            <a:schemeClr val="accent1"/>
+          </a:effectRef>
+          <a:fontRef idx="minor">
+            <a:schemeClr val="lt1"/>
+          </a:fontRef>
+        </p:style>
+        <p:txBody>
+          <a:bodyPr rtlCol="0" anchor="ctr"/>
+          <a:lstStyle/>
+          <a:p>
+            <a:pPr algn="ctr"/>
+            <a:endParaRPr lang="zh-CN" altLang="en-US"/>
+          </a:p>
+        </p:txBody>
+      </p:sp>
+      <p:sp>
+        <p:nvSpPr>
+          <p:cNvPr id="148" name="减号 147"/>
+          <p:cNvSpPr/>
+          <p:nvPr/>
+        </p:nvSpPr>
+        <p:spPr>
+          <a:xfrm>
+            <a:off x="7928268" y="2732673"/>
+            <a:ext cx="90000" cy="90000"/>
+          </a:xfrm>
+          <a:prstGeom prst="mathMinus">
+            <a:avLst/>
+          </a:prstGeom>
+          <a:ln>
+            <a:noFill/>
+          </a:ln>
+        </p:spPr>
+        <p:style>
+          <a:lnRef idx="2">
+            <a:schemeClr val="accent1">
+              <a:shade val="50000"/>
+            </a:schemeClr>
+          </a:lnRef>
+          <a:fillRef idx="1">
+            <a:schemeClr val="accent1"/>
+          </a:fillRef>
+          <a:effectRef idx="0">
+            <a:schemeClr val="accent1"/>
+          </a:effectRef>
+          <a:fontRef idx="minor">
+            <a:schemeClr val="lt1"/>
+          </a:fontRef>
+        </p:style>
+        <p:txBody>
+          <a:bodyPr rtlCol="0" anchor="ctr"/>
+          <a:lstStyle/>
+          <a:p>
+            <a:pPr algn="ctr"/>
+            <a:endParaRPr lang="zh-CN" altLang="en-US"/>
+          </a:p>
+        </p:txBody>
+      </p:sp>
+      <p:sp>
+        <p:nvSpPr>
+          <p:cNvPr id="149" name="圆角矩形 148"/>
+          <p:cNvSpPr/>
+          <p:nvPr/>
+        </p:nvSpPr>
+        <p:spPr>
+          <a:xfrm>
+            <a:off x="7587955" y="3802374"/>
+            <a:ext cx="596951" cy="767175"/>
+          </a:xfrm>
+          <a:prstGeom prst="roundRect">
+            <a:avLst/>
+          </a:prstGeom>
+        </p:spPr>
+        <p:style>
+          <a:lnRef idx="2">
+            <a:schemeClr val="accent1">
+              <a:shade val="50000"/>
+            </a:schemeClr>
+          </a:lnRef>
+          <a:fillRef idx="1">
+            <a:schemeClr val="accent1"/>
+          </a:fillRef>
+          <a:effectRef idx="0">
+            <a:schemeClr val="accent1"/>
+          </a:effectRef>
+          <a:fontRef idx="minor">
+            <a:schemeClr val="lt1"/>
+          </a:fontRef>
+        </p:style>
+        <p:txBody>
+          <a:bodyPr rtlCol="0" anchor="ctr"/>
+          <a:lstStyle/>
+          <a:p>
+            <a:pPr algn="ctr"/>
+            <a:r>
+              <a:rPr lang="en-US" altLang="zh-CN" sz="1200" dirty="0" smtClean="0"/>
+              <a:t>ESO</a:t>
+            </a:r>
+          </a:p>
+        </p:txBody>
+      </p:sp>
+      <p:sp>
+        <p:nvSpPr>
+          <p:cNvPr id="150" name="圆角矩形 149"/>
+          <p:cNvSpPr/>
+          <p:nvPr/>
+        </p:nvSpPr>
+        <p:spPr>
+          <a:xfrm>
+            <a:off x="9191921" y="2399610"/>
+            <a:ext cx="548427" cy="452762"/>
+          </a:xfrm>
+          <a:prstGeom prst="roundRect">
+            <a:avLst/>
+          </a:prstGeom>
+        </p:spPr>
+        <p:style>
+          <a:lnRef idx="2">
+            <a:schemeClr val="accent1">
+              <a:shade val="50000"/>
+            </a:schemeClr>
+          </a:lnRef>
+          <a:fillRef idx="1">
+            <a:schemeClr val="accent1"/>
+          </a:fillRef>
+          <a:effectRef idx="0">
+            <a:schemeClr val="accent1"/>
+          </a:effectRef>
+          <a:fontRef idx="minor">
+            <a:schemeClr val="lt1"/>
+          </a:fontRef>
+        </p:style>
+        <p:txBody>
+          <a:bodyPr rtlCol="0" anchor="ctr"/>
+          <a:lstStyle/>
+          <a:p>
+            <a:pPr algn="ctr"/>
+            <a:r>
+              <a:rPr lang="en-US" altLang="zh-CN" sz="1200" dirty="0" smtClean="0"/>
+              <a:t>P</a:t>
+            </a:r>
+          </a:p>
+        </p:txBody>
+      </p:sp>
+      <p:cxnSp>
+        <p:nvCxnSpPr>
+          <p:cNvPr id="151" name="直接箭头连接符 150"/>
+          <p:cNvCxnSpPr/>
+          <p:nvPr/>
+        </p:nvCxnSpPr>
+        <p:spPr>
+          <a:xfrm>
+            <a:off x="9659386" y="2528338"/>
+            <a:ext cx="804863" cy="0"/>
+          </a:xfrm>
+          <a:prstGeom prst="straightConnector1">
+            <a:avLst/>
+          </a:prstGeom>
+          <a:ln>
+            <a:tailEnd type="triangle"/>
+          </a:ln>
+        </p:spPr>
+        <p:style>
+          <a:lnRef idx="1">
+            <a:schemeClr val="accent1"/>
+          </a:lnRef>
+          <a:fillRef idx="0">
+            <a:schemeClr val="accent1"/>
+          </a:fillRef>
+          <a:effectRef idx="0">
+            <a:schemeClr val="accent1"/>
+          </a:effectRef>
+          <a:fontRef idx="minor">
+            <a:schemeClr val="tx1"/>
+          </a:fontRef>
+        </p:style>
+      </p:cxnSp>
+      <p:cxnSp>
+        <p:nvCxnSpPr>
+          <p:cNvPr id="152" name="直接箭头连接符 151"/>
+          <p:cNvCxnSpPr/>
+          <p:nvPr/>
+        </p:nvCxnSpPr>
+        <p:spPr>
+          <a:xfrm>
+            <a:off x="9659386" y="2723738"/>
+            <a:ext cx="804863" cy="0"/>
+          </a:xfrm>
+          <a:prstGeom prst="straightConnector1">
+            <a:avLst/>
+          </a:prstGeom>
+          <a:ln>
+            <a:tailEnd type="triangle"/>
+          </a:ln>
+        </p:spPr>
+        <p:style>
+          <a:lnRef idx="1">
+            <a:schemeClr val="accent1"/>
+          </a:lnRef>
+          <a:fillRef idx="0">
+            <a:schemeClr val="accent1"/>
+          </a:fillRef>
+          <a:effectRef idx="0">
+            <a:schemeClr val="accent1"/>
+          </a:effectRef>
+          <a:fontRef idx="minor">
+            <a:schemeClr val="tx1"/>
+          </a:fontRef>
+        </p:style>
+      </p:cxnSp>
+      <p:sp>
+        <p:nvSpPr>
+          <p:cNvPr id="153" name="文本框 152"/>
+          <p:cNvSpPr txBox="1"/>
+          <p:nvPr/>
+        </p:nvSpPr>
+        <p:spPr>
+          <a:xfrm>
+            <a:off x="9659386" y="2304427"/>
+            <a:ext cx="1529564" cy="276999"/>
+          </a:xfrm>
+          <a:prstGeom prst="rect">
+            <a:avLst/>
+          </a:prstGeom>
+          <a:noFill/>
+        </p:spPr>
+        <p:txBody>
+          <a:bodyPr wrap="square" rtlCol="0">
+            <a:spAutoFit/>
+          </a:bodyPr>
+          <a:lstStyle/>
+          <a:p>
+            <a:r>
+              <a:rPr lang="en-US" altLang="zh-CN" sz="1200" dirty="0">
+                <a:latin typeface="Calibri" panose="020F0502020204030204" pitchFamily="34" charset="0"/>
+                <a:cs typeface="Calibri" panose="020F0502020204030204" pitchFamily="34" charset="0"/>
+              </a:rPr>
+              <a:t>State.position.z</a:t>
+            </a:r>
+            <a:endParaRPr lang="zh-CN" altLang="en-US" sz="1200" dirty="0">
+              <a:latin typeface="Calibri" panose="020F0502020204030204" pitchFamily="34" charset="0"/>
+              <a:cs typeface="Calibri" panose="020F0502020204030204" pitchFamily="34" charset="0"/>
+            </a:endParaRPr>
+          </a:p>
+        </p:txBody>
+      </p:sp>
+      <p:sp>
+        <p:nvSpPr>
+          <p:cNvPr id="154" name="文本框 153"/>
+          <p:cNvSpPr txBox="1"/>
+          <p:nvPr/>
+        </p:nvSpPr>
+        <p:spPr>
+          <a:xfrm>
+            <a:off x="9677403" y="2516682"/>
+            <a:ext cx="1224010" cy="276999"/>
+          </a:xfrm>
+          <a:prstGeom prst="rect">
+            <a:avLst/>
+          </a:prstGeom>
+          <a:noFill/>
+        </p:spPr>
+        <p:txBody>
+          <a:bodyPr wrap="square" rtlCol="0">
+            <a:spAutoFit/>
+          </a:bodyPr>
+          <a:lstStyle/>
+          <a:p>
+            <a:r>
+              <a:rPr lang="en-US" altLang="zh-CN" sz="1200" dirty="0">
+                <a:latin typeface="Calibri" panose="020F0502020204030204" pitchFamily="34" charset="0"/>
+                <a:cs typeface="Calibri" panose="020F0502020204030204" pitchFamily="34" charset="0"/>
+              </a:rPr>
+              <a:t>State.velocity.z</a:t>
+            </a:r>
+            <a:endParaRPr lang="zh-CN" altLang="en-US" sz="1200" dirty="0">
+              <a:latin typeface="Calibri" panose="020F0502020204030204" pitchFamily="34" charset="0"/>
+              <a:cs typeface="Calibri" panose="020F0502020204030204" pitchFamily="34" charset="0"/>
+            </a:endParaRPr>
+          </a:p>
+        </p:txBody>
+      </p:sp>
+      <p:cxnSp>
+        <p:nvCxnSpPr>
+          <p:cNvPr id="17" name="直接箭头连接符 16"/>
+          <p:cNvCxnSpPr>
+            <a:stCxn id="139" idx="6"/>
+            <a:endCxn id="323" idx="2"/>
+          </p:cNvCxnSpPr>
+          <p:nvPr/>
+        </p:nvCxnSpPr>
+        <p:spPr>
+          <a:xfrm flipV="1">
+            <a:off x="7976883" y="2623438"/>
+            <a:ext cx="740979" cy="5349"/>
+          </a:xfrm>
+          <a:prstGeom prst="straightConnector1">
+            <a:avLst/>
+          </a:prstGeom>
+          <a:ln>
+            <a:tailEnd type="triangle"/>
+          </a:ln>
+        </p:spPr>
+        <p:style>
+          <a:lnRef idx="1">
+            <a:schemeClr val="accent1"/>
+          </a:lnRef>
+          <a:fillRef idx="0">
+            <a:schemeClr val="accent1"/>
+          </a:fillRef>
+          <a:effectRef idx="0">
+            <a:schemeClr val="accent1"/>
+          </a:effectRef>
+          <a:fontRef idx="minor">
+            <a:schemeClr val="tx1"/>
+          </a:fontRef>
+        </p:style>
+      </p:cxnSp>
+      <p:cxnSp>
+        <p:nvCxnSpPr>
+          <p:cNvPr id="155" name="肘形连接符 154"/>
+          <p:cNvCxnSpPr>
+            <a:endCxn id="149" idx="3"/>
+          </p:cNvCxnSpPr>
+          <p:nvPr/>
+        </p:nvCxnSpPr>
+        <p:spPr>
+          <a:xfrm rot="10800000" flipV="1">
+            <a:off x="8184907" y="2732674"/>
+            <a:ext cx="1980769" cy="1453287"/>
+          </a:xfrm>
+          <a:prstGeom prst="bentConnector3">
+            <a:avLst>
+              <a:gd name="adj1" fmla="val 572"/>
+            </a:avLst>
+          </a:prstGeom>
+          <a:ln>
+            <a:tailEnd type="triangle"/>
+          </a:ln>
+        </p:spPr>
+        <p:style>
+          <a:lnRef idx="1">
+            <a:schemeClr val="accent1"/>
+          </a:lnRef>
+          <a:fillRef idx="0">
+            <a:schemeClr val="accent1"/>
+          </a:fillRef>
+          <a:effectRef idx="0">
+            <a:schemeClr val="accent1"/>
+          </a:effectRef>
+          <a:fontRef idx="minor">
+            <a:schemeClr val="tx1"/>
+          </a:fontRef>
+        </p:style>
+      </p:cxnSp>
+      <p:cxnSp>
+        <p:nvCxnSpPr>
+          <p:cNvPr id="31" name="直接箭头连接符 30"/>
+          <p:cNvCxnSpPr>
+            <a:stCxn id="134" idx="3"/>
+            <a:endCxn id="139" idx="2"/>
+          </p:cNvCxnSpPr>
+          <p:nvPr/>
+        </p:nvCxnSpPr>
+        <p:spPr>
+          <a:xfrm>
+            <a:off x="7353516" y="2625991"/>
+            <a:ext cx="428059" cy="2796"/>
+          </a:xfrm>
+          <a:prstGeom prst="straightConnector1">
+            <a:avLst/>
+          </a:prstGeom>
+          <a:ln>
+            <a:tailEnd type="triangle"/>
+          </a:ln>
+        </p:spPr>
+        <p:style>
+          <a:lnRef idx="1">
+            <a:schemeClr val="accent1"/>
+          </a:lnRef>
+          <a:fillRef idx="0">
+            <a:schemeClr val="accent1"/>
+          </a:fillRef>
+          <a:effectRef idx="0">
+            <a:schemeClr val="accent1"/>
+          </a:effectRef>
+          <a:fontRef idx="minor">
+            <a:schemeClr val="tx1"/>
+          </a:fontRef>
+        </p:style>
+      </p:cxnSp>
+      <p:cxnSp>
+        <p:nvCxnSpPr>
+          <p:cNvPr id="56" name="直接箭头连接符 55"/>
+          <p:cNvCxnSpPr>
+            <a:stCxn id="115" idx="6"/>
+          </p:cNvCxnSpPr>
+          <p:nvPr/>
+        </p:nvCxnSpPr>
+        <p:spPr>
+          <a:xfrm>
+            <a:off x="6209530" y="2346184"/>
+            <a:ext cx="588274" cy="506"/>
+          </a:xfrm>
+          <a:prstGeom prst="straightConnector1">
+            <a:avLst/>
+          </a:prstGeom>
+          <a:ln>
+            <a:tailEnd type="triangle"/>
+          </a:ln>
+        </p:spPr>
+        <p:style>
+          <a:lnRef idx="1">
+            <a:schemeClr val="accent1"/>
+          </a:lnRef>
+          <a:fillRef idx="0">
+            <a:schemeClr val="accent1"/>
+          </a:fillRef>
+          <a:effectRef idx="0">
+            <a:schemeClr val="accent1"/>
+          </a:effectRef>
+          <a:fontRef idx="minor">
+            <a:schemeClr val="tx1"/>
+          </a:fontRef>
+        </p:style>
+      </p:cxnSp>
+      <p:cxnSp>
+        <p:nvCxnSpPr>
+          <p:cNvPr id="180" name="直接箭头连接符 179"/>
+          <p:cNvCxnSpPr>
+            <a:stCxn id="118" idx="6"/>
+          </p:cNvCxnSpPr>
+          <p:nvPr/>
+        </p:nvCxnSpPr>
+        <p:spPr>
+          <a:xfrm flipV="1">
+            <a:off x="5945317" y="2951843"/>
+            <a:ext cx="852029" cy="507"/>
+          </a:xfrm>
+          <a:prstGeom prst="straightConnector1">
+            <a:avLst/>
+          </a:prstGeom>
+          <a:ln>
+            <a:tailEnd type="triangle"/>
+          </a:ln>
+        </p:spPr>
+        <p:style>
+          <a:lnRef idx="1">
+            <a:schemeClr val="accent1"/>
+          </a:lnRef>
+          <a:fillRef idx="0">
+            <a:schemeClr val="accent1"/>
+          </a:fillRef>
+          <a:effectRef idx="0">
+            <a:schemeClr val="accent1"/>
+          </a:effectRef>
+          <a:fontRef idx="minor">
+            <a:schemeClr val="tx1"/>
+          </a:fontRef>
+        </p:style>
+      </p:cxnSp>
+      <p:cxnSp>
+        <p:nvCxnSpPr>
+          <p:cNvPr id="158" name="肘形连接符 157"/>
+          <p:cNvCxnSpPr>
+            <a:stCxn id="149" idx="1"/>
+            <a:endCxn id="115" idx="4"/>
+          </p:cNvCxnSpPr>
+          <p:nvPr/>
+        </p:nvCxnSpPr>
+        <p:spPr>
+          <a:xfrm rot="10800000">
+            <a:off x="6111877" y="2443838"/>
+            <a:ext cx="1476079" cy="1742124"/>
+          </a:xfrm>
+          <a:prstGeom prst="bentConnector2">
+            <a:avLst/>
+          </a:prstGeom>
+          <a:ln>
+            <a:tailEnd type="triangle"/>
+          </a:ln>
+        </p:spPr>
+        <p:style>
+          <a:lnRef idx="1">
+            <a:schemeClr val="accent1"/>
+          </a:lnRef>
+          <a:fillRef idx="0">
+            <a:schemeClr val="accent1"/>
+          </a:fillRef>
+          <a:effectRef idx="0">
+            <a:schemeClr val="accent1"/>
+          </a:effectRef>
+          <a:fontRef idx="minor">
+            <a:schemeClr val="tx1"/>
+          </a:fontRef>
+        </p:style>
+      </p:cxnSp>
+      <p:sp>
+        <p:nvSpPr>
+          <p:cNvPr id="194" name="圆角矩形 193"/>
+          <p:cNvSpPr/>
+          <p:nvPr/>
+        </p:nvSpPr>
+        <p:spPr>
+          <a:xfrm>
+            <a:off x="7641191" y="3149456"/>
+            <a:ext cx="486233" cy="336628"/>
+          </a:xfrm>
+          <a:prstGeom prst="roundRect">
+            <a:avLst/>
+          </a:prstGeom>
+          <a:noFill/>
+        </p:spPr>
+        <p:style>
+          <a:lnRef idx="2">
+            <a:schemeClr val="accent1">
+              <a:shade val="50000"/>
+            </a:schemeClr>
+          </a:lnRef>
+          <a:fillRef idx="1">
+            <a:schemeClr val="accent1"/>
+          </a:fillRef>
+          <a:effectRef idx="0">
+            <a:schemeClr val="accent1"/>
+          </a:effectRef>
+          <a:fontRef idx="minor">
+            <a:schemeClr val="lt1"/>
+          </a:fontRef>
+        </p:style>
+        <p:txBody>
+          <a:bodyPr rtlCol="0" anchor="ctr"/>
+          <a:lstStyle/>
+          <a:p>
+            <a:pPr algn="ctr"/>
+            <a:r>
+              <a:rPr lang="en-US" altLang="zh-CN" sz="1200" dirty="0" smtClean="0">
+                <a:solidFill>
+                  <a:schemeClr val="tx1"/>
+                </a:solidFill>
+              </a:rPr>
+              <a:t>b0</a:t>
+            </a:r>
+            <a:endParaRPr lang="zh-CN" altLang="en-US" sz="1200" dirty="0">
+              <a:solidFill>
+                <a:schemeClr val="tx1"/>
+              </a:solidFill>
+            </a:endParaRPr>
+          </a:p>
+        </p:txBody>
+      </p:sp>
+      <p:cxnSp>
+        <p:nvCxnSpPr>
+          <p:cNvPr id="198" name="直接箭头连接符 197"/>
+          <p:cNvCxnSpPr>
+            <a:stCxn id="149" idx="0"/>
+            <a:endCxn id="194" idx="2"/>
+          </p:cNvCxnSpPr>
+          <p:nvPr/>
+        </p:nvCxnSpPr>
+        <p:spPr>
+          <a:xfrm flipH="1" flipV="1">
+            <a:off x="7884308" y="3486084"/>
+            <a:ext cx="2123" cy="316290"/>
+          </a:xfrm>
+          <a:prstGeom prst="straightConnector1">
+            <a:avLst/>
+          </a:prstGeom>
+          <a:ln>
+            <a:tailEnd type="triangle"/>
+          </a:ln>
+        </p:spPr>
+        <p:style>
+          <a:lnRef idx="1">
+            <a:schemeClr val="accent1"/>
+          </a:lnRef>
+          <a:fillRef idx="0">
+            <a:schemeClr val="accent1"/>
+          </a:fillRef>
+          <a:effectRef idx="0">
+            <a:schemeClr val="accent1"/>
+          </a:effectRef>
+          <a:fontRef idx="minor">
+            <a:schemeClr val="tx1"/>
+          </a:fontRef>
+        </p:style>
+      </p:cxnSp>
+      <p:cxnSp>
+        <p:nvCxnSpPr>
+          <p:cNvPr id="214" name="直接箭头连接符 213"/>
+          <p:cNvCxnSpPr>
+            <a:stCxn id="194" idx="0"/>
+            <a:endCxn id="139" idx="4"/>
+          </p:cNvCxnSpPr>
+          <p:nvPr/>
+        </p:nvCxnSpPr>
+        <p:spPr>
+          <a:xfrm flipH="1" flipV="1">
+            <a:off x="7879229" y="2726441"/>
+            <a:ext cx="5079" cy="423015"/>
+          </a:xfrm>
+          <a:prstGeom prst="straightConnector1">
+            <a:avLst/>
+          </a:prstGeom>
+          <a:ln>
+            <a:tailEnd type="triangle"/>
+          </a:ln>
+        </p:spPr>
+        <p:style>
+          <a:lnRef idx="1">
+            <a:schemeClr val="accent1"/>
+          </a:lnRef>
+          <a:fillRef idx="0">
+            <a:schemeClr val="accent1"/>
+          </a:fillRef>
+          <a:effectRef idx="0">
+            <a:schemeClr val="accent1"/>
+          </a:effectRef>
+          <a:fontRef idx="minor">
+            <a:schemeClr val="tx1"/>
+          </a:fontRef>
+        </p:style>
+      </p:cxnSp>
+      <p:cxnSp>
+        <p:nvCxnSpPr>
+          <p:cNvPr id="209" name="直接箭头连接符 208"/>
+          <p:cNvCxnSpPr>
+            <a:stCxn id="101" idx="3"/>
+            <a:endCxn id="109" idx="1"/>
+          </p:cNvCxnSpPr>
+          <p:nvPr/>
+        </p:nvCxnSpPr>
+        <p:spPr>
+          <a:xfrm flipV="1">
+            <a:off x="4220085" y="2636753"/>
+            <a:ext cx="603388" cy="970"/>
+          </a:xfrm>
+          <a:prstGeom prst="straightConnector1">
+            <a:avLst/>
+          </a:prstGeom>
+          <a:ln>
+            <a:tailEnd type="triangle"/>
+          </a:ln>
+        </p:spPr>
+        <p:style>
+          <a:lnRef idx="1">
+            <a:schemeClr val="accent1"/>
+          </a:lnRef>
+          <a:fillRef idx="0">
+            <a:schemeClr val="accent1"/>
+          </a:fillRef>
+          <a:effectRef idx="0">
+            <a:schemeClr val="accent1"/>
+          </a:effectRef>
+          <a:fontRef idx="minor">
+            <a:schemeClr val="tx1"/>
+          </a:fontRef>
+        </p:style>
+      </p:cxnSp>
+      <p:cxnSp>
+        <p:nvCxnSpPr>
+          <p:cNvPr id="220" name="肘形连接符 219"/>
+          <p:cNvCxnSpPr/>
+          <p:nvPr/>
+        </p:nvCxnSpPr>
+        <p:spPr>
+          <a:xfrm flipV="1">
+            <a:off x="4992843" y="3096190"/>
+            <a:ext cx="854830" cy="760772"/>
+          </a:xfrm>
+          <a:prstGeom prst="bentConnector2">
+            <a:avLst/>
+          </a:prstGeom>
+          <a:ln>
+            <a:tailEnd type="triangle"/>
+          </a:ln>
+        </p:spPr>
+        <p:style>
+          <a:lnRef idx="1">
+            <a:schemeClr val="accent1"/>
+          </a:lnRef>
+          <a:fillRef idx="0">
+            <a:schemeClr val="accent1"/>
+          </a:fillRef>
+          <a:effectRef idx="0">
+            <a:schemeClr val="accent1"/>
+          </a:effectRef>
+          <a:fontRef idx="minor">
+            <a:schemeClr val="tx1"/>
+          </a:fontRef>
+        </p:style>
+      </p:cxnSp>
+      <p:sp>
+        <p:nvSpPr>
+          <p:cNvPr id="232" name="文本框 231"/>
+          <p:cNvSpPr txBox="1"/>
+          <p:nvPr/>
+        </p:nvSpPr>
+        <p:spPr>
+          <a:xfrm>
+            <a:off x="5041884" y="3576131"/>
+            <a:ext cx="792214" cy="276999"/>
+          </a:xfrm>
+          <a:prstGeom prst="rect">
+            <a:avLst/>
+          </a:prstGeom>
+          <a:noFill/>
+        </p:spPr>
+        <p:txBody>
+          <a:bodyPr wrap="square" rtlCol="0">
+            <a:spAutoFit/>
+          </a:bodyPr>
+          <a:lstStyle/>
+          <a:p>
+            <a:r>
+              <a:rPr lang="en-US" altLang="zh-CN" sz="1200" dirty="0" smtClean="0">
+                <a:latin typeface="Calibri" panose="020F0502020204030204" pitchFamily="34" charset="0"/>
+                <a:cs typeface="Calibri" panose="020F0502020204030204" pitchFamily="34" charset="0"/>
+              </a:rPr>
+              <a:t>State.acc</a:t>
+            </a:r>
+            <a:endParaRPr lang="zh-CN" altLang="en-US" sz="1200" dirty="0">
+              <a:latin typeface="Calibri" panose="020F0502020204030204" pitchFamily="34" charset="0"/>
+              <a:cs typeface="Calibri" panose="020F0502020204030204" pitchFamily="34" charset="0"/>
+            </a:endParaRPr>
+          </a:p>
+        </p:txBody>
+      </p:sp>
+      <p:sp>
+        <p:nvSpPr>
+          <p:cNvPr id="234" name="文本框 233"/>
+          <p:cNvSpPr txBox="1"/>
+          <p:nvPr/>
+        </p:nvSpPr>
+        <p:spPr>
+          <a:xfrm>
+            <a:off x="4254011" y="2395798"/>
+            <a:ext cx="577098" cy="276999"/>
+          </a:xfrm>
+          <a:prstGeom prst="rect">
+            <a:avLst/>
+          </a:prstGeom>
+          <a:noFill/>
+        </p:spPr>
+        <p:txBody>
+          <a:bodyPr wrap="square" rtlCol="0">
+            <a:spAutoFit/>
+          </a:bodyPr>
+          <a:lstStyle/>
+          <a:p>
+            <a:r>
+              <a:rPr lang="en-US" altLang="zh-CN" sz="1200" dirty="0" smtClean="0">
+                <a:latin typeface="Calibri" panose="020F0502020204030204" pitchFamily="34" charset="0"/>
+                <a:cs typeface="Calibri" panose="020F0502020204030204" pitchFamily="34" charset="0"/>
+              </a:rPr>
+              <a:t>VZ_d</a:t>
+            </a:r>
+            <a:endParaRPr lang="zh-CN" altLang="en-US" sz="1200" dirty="0">
+              <a:latin typeface="Calibri" panose="020F0502020204030204" pitchFamily="34" charset="0"/>
+              <a:cs typeface="Calibri" panose="020F0502020204030204" pitchFamily="34" charset="0"/>
+            </a:endParaRPr>
+          </a:p>
+        </p:txBody>
+      </p:sp>
+      <p:cxnSp>
+        <p:nvCxnSpPr>
+          <p:cNvPr id="223" name="直接箭头连接符 222"/>
+          <p:cNvCxnSpPr>
+            <a:stCxn id="103" idx="6"/>
+          </p:cNvCxnSpPr>
+          <p:nvPr/>
+        </p:nvCxnSpPr>
+        <p:spPr>
+          <a:xfrm>
+            <a:off x="3410260" y="2339041"/>
+            <a:ext cx="254113" cy="0"/>
+          </a:xfrm>
+          <a:prstGeom prst="straightConnector1">
+            <a:avLst/>
+          </a:prstGeom>
+          <a:ln>
+            <a:tailEnd type="triangle"/>
+          </a:ln>
+        </p:spPr>
+        <p:style>
+          <a:lnRef idx="1">
+            <a:schemeClr val="accent1"/>
+          </a:lnRef>
+          <a:fillRef idx="0">
+            <a:schemeClr val="accent1"/>
+          </a:fillRef>
+          <a:effectRef idx="0">
+            <a:schemeClr val="accent1"/>
+          </a:effectRef>
+          <a:fontRef idx="minor">
+            <a:schemeClr val="tx1"/>
+          </a:fontRef>
+        </p:style>
+      </p:cxnSp>
+      <p:cxnSp>
+        <p:nvCxnSpPr>
+          <p:cNvPr id="237" name="直接箭头连接符 236"/>
+          <p:cNvCxnSpPr>
+            <a:stCxn id="106" idx="6"/>
+          </p:cNvCxnSpPr>
+          <p:nvPr/>
+        </p:nvCxnSpPr>
+        <p:spPr>
+          <a:xfrm flipV="1">
+            <a:off x="3146047" y="2951843"/>
+            <a:ext cx="518326" cy="507"/>
+          </a:xfrm>
+          <a:prstGeom prst="straightConnector1">
+            <a:avLst/>
+          </a:prstGeom>
+          <a:ln>
+            <a:tailEnd type="triangle"/>
+          </a:ln>
+        </p:spPr>
+        <p:style>
+          <a:lnRef idx="1">
+            <a:schemeClr val="accent1"/>
+          </a:lnRef>
+          <a:fillRef idx="0">
+            <a:schemeClr val="accent1"/>
+          </a:fillRef>
+          <a:effectRef idx="0">
+            <a:schemeClr val="accent1"/>
+          </a:effectRef>
+          <a:fontRef idx="minor">
+            <a:schemeClr val="tx1"/>
+          </a:fontRef>
+        </p:style>
+      </p:cxnSp>
+      <p:cxnSp>
+        <p:nvCxnSpPr>
+          <p:cNvPr id="239" name="肘形连接符 238"/>
+          <p:cNvCxnSpPr>
+            <a:endCxn id="103" idx="4"/>
+          </p:cNvCxnSpPr>
+          <p:nvPr/>
+        </p:nvCxnSpPr>
+        <p:spPr>
+          <a:xfrm rot="16200000" flipV="1">
+            <a:off x="3156974" y="2592327"/>
+            <a:ext cx="1139436" cy="828172"/>
+          </a:xfrm>
+          <a:prstGeom prst="bentConnector3">
+            <a:avLst>
+              <a:gd name="adj1" fmla="val 680"/>
+            </a:avLst>
+          </a:prstGeom>
+          <a:ln>
+            <a:tailEnd type="triangle"/>
+          </a:ln>
+        </p:spPr>
+        <p:style>
+          <a:lnRef idx="1">
+            <a:schemeClr val="accent1"/>
+          </a:lnRef>
+          <a:fillRef idx="0">
+            <a:schemeClr val="accent1"/>
+          </a:fillRef>
+          <a:effectRef idx="0">
+            <a:schemeClr val="accent1"/>
+          </a:effectRef>
+          <a:fontRef idx="minor">
+            <a:schemeClr val="tx1"/>
+          </a:fontRef>
+        </p:style>
+      </p:cxnSp>
+      <p:sp>
+        <p:nvSpPr>
+          <p:cNvPr id="240" name="文本框 239"/>
+          <p:cNvSpPr txBox="1"/>
+          <p:nvPr/>
+        </p:nvSpPr>
+        <p:spPr>
+          <a:xfrm>
+            <a:off x="3291510" y="3315022"/>
+            <a:ext cx="1244202" cy="276999"/>
+          </a:xfrm>
+          <a:prstGeom prst="rect">
+            <a:avLst/>
+          </a:prstGeom>
+          <a:noFill/>
+        </p:spPr>
+        <p:txBody>
+          <a:bodyPr wrap="square" rtlCol="0">
+            <a:spAutoFit/>
+          </a:bodyPr>
+          <a:lstStyle/>
+          <a:p>
+            <a:r>
+              <a:rPr lang="en-US" altLang="zh-CN" sz="1200" dirty="0" smtClean="0">
+                <a:latin typeface="Calibri" panose="020F0502020204030204" pitchFamily="34" charset="0"/>
+                <a:cs typeface="Calibri" panose="020F0502020204030204" pitchFamily="34" charset="0"/>
+              </a:rPr>
+              <a:t>State.position.z</a:t>
+            </a:r>
+            <a:endParaRPr lang="zh-CN" altLang="en-US" sz="1200" dirty="0">
+              <a:latin typeface="Calibri" panose="020F0502020204030204" pitchFamily="34" charset="0"/>
+              <a:cs typeface="Calibri" panose="020F0502020204030204" pitchFamily="34" charset="0"/>
+            </a:endParaRPr>
+          </a:p>
+        </p:txBody>
+      </p:sp>
+      <p:cxnSp>
+        <p:nvCxnSpPr>
+          <p:cNvPr id="244" name="肘形连接符 243"/>
+          <p:cNvCxnSpPr>
+            <a:endCxn id="106" idx="4"/>
+          </p:cNvCxnSpPr>
+          <p:nvPr/>
+        </p:nvCxnSpPr>
+        <p:spPr>
+          <a:xfrm rot="10800000">
+            <a:off x="3048394" y="3050004"/>
+            <a:ext cx="1138779" cy="803126"/>
+          </a:xfrm>
+          <a:prstGeom prst="bentConnector2">
+            <a:avLst/>
+          </a:prstGeom>
+          <a:ln>
+            <a:tailEnd type="triangle"/>
+          </a:ln>
+        </p:spPr>
+        <p:style>
+          <a:lnRef idx="1">
+            <a:schemeClr val="accent1"/>
+          </a:lnRef>
+          <a:fillRef idx="0">
+            <a:schemeClr val="accent1"/>
+          </a:fillRef>
+          <a:effectRef idx="0">
+            <a:schemeClr val="accent1"/>
+          </a:effectRef>
+          <a:fontRef idx="minor">
+            <a:schemeClr val="tx1"/>
+          </a:fontRef>
+        </p:style>
+      </p:cxnSp>
+      <p:sp>
+        <p:nvSpPr>
+          <p:cNvPr id="245" name="文本框 244"/>
+          <p:cNvSpPr txBox="1"/>
+          <p:nvPr/>
+        </p:nvSpPr>
+        <p:spPr>
+          <a:xfrm>
+            <a:off x="3291510" y="3608316"/>
+            <a:ext cx="1213830" cy="276999"/>
+          </a:xfrm>
+          <a:prstGeom prst="rect">
+            <a:avLst/>
+          </a:prstGeom>
+          <a:noFill/>
+        </p:spPr>
+        <p:txBody>
+          <a:bodyPr wrap="square" rtlCol="0">
+            <a:spAutoFit/>
+          </a:bodyPr>
+          <a:lstStyle/>
+          <a:p>
+            <a:r>
+              <a:rPr lang="en-US" altLang="zh-CN" sz="1200" dirty="0" smtClean="0">
+                <a:latin typeface="Calibri" panose="020F0502020204030204" pitchFamily="34" charset="0"/>
+                <a:cs typeface="Calibri" panose="020F0502020204030204" pitchFamily="34" charset="0"/>
+              </a:rPr>
+              <a:t>State.velocity.z</a:t>
+            </a:r>
+            <a:endParaRPr lang="zh-CN" altLang="en-US" sz="1200" dirty="0">
+              <a:latin typeface="Calibri" panose="020F0502020204030204" pitchFamily="34" charset="0"/>
+              <a:cs typeface="Calibri" panose="020F0502020204030204" pitchFamily="34" charset="0"/>
+            </a:endParaRPr>
+          </a:p>
+        </p:txBody>
+      </p:sp>
+      <p:sp>
+        <p:nvSpPr>
+          <p:cNvPr id="261" name="圆角矩形 260"/>
+          <p:cNvSpPr/>
+          <p:nvPr/>
+        </p:nvSpPr>
+        <p:spPr>
+          <a:xfrm>
+            <a:off x="6797346" y="4859475"/>
+            <a:ext cx="807868" cy="452761"/>
+          </a:xfrm>
+          <a:prstGeom prst="roundRect">
+            <a:avLst/>
+          </a:prstGeom>
+        </p:spPr>
+        <p:style>
+          <a:lnRef idx="2">
+            <a:schemeClr val="accent1">
+              <a:shade val="50000"/>
+            </a:schemeClr>
+          </a:lnRef>
+          <a:fillRef idx="1">
+            <a:schemeClr val="accent1"/>
+          </a:fillRef>
+          <a:effectRef idx="0">
+            <a:schemeClr val="accent1"/>
+          </a:effectRef>
+          <a:fontRef idx="minor">
+            <a:schemeClr val="lt1"/>
+          </a:fontRef>
+        </p:style>
+        <p:txBody>
+          <a:bodyPr rtlCol="0" anchor="ctr"/>
+          <a:lstStyle/>
+          <a:p>
+            <a:pPr algn="ctr"/>
+            <a:r>
+              <a:rPr lang="en-US" altLang="zh-CN" sz="1200" dirty="0" smtClean="0"/>
+              <a:t>MBD</a:t>
+            </a:r>
+          </a:p>
+        </p:txBody>
+      </p:sp>
+      <p:sp>
+        <p:nvSpPr>
+          <p:cNvPr id="323" name="流程图: 接点 322"/>
+          <p:cNvSpPr/>
+          <p:nvPr/>
+        </p:nvSpPr>
+        <p:spPr>
+          <a:xfrm>
+            <a:off x="8717862" y="2525784"/>
+            <a:ext cx="195308" cy="195308"/>
+          </a:xfrm>
+          <a:prstGeom prst="flowChartConnector">
+            <a:avLst/>
+          </a:prstGeom>
+          <a:noFill/>
+          <a:ln>
+            <a:solidFill>
+              <a:schemeClr val="accent1"/>
+            </a:solidFill>
+          </a:ln>
+        </p:spPr>
+        <p:style>
+          <a:lnRef idx="2">
+            <a:schemeClr val="accent1">
+              <a:shade val="50000"/>
+            </a:schemeClr>
+          </a:lnRef>
+          <a:fillRef idx="1">
+            <a:schemeClr val="accent1"/>
+          </a:fillRef>
+          <a:effectRef idx="0">
+            <a:schemeClr val="accent1"/>
+          </a:effectRef>
+          <a:fontRef idx="minor">
+            <a:schemeClr val="lt1"/>
+          </a:fontRef>
+        </p:style>
+        <p:txBody>
+          <a:bodyPr rtlCol="0" anchor="ctr"/>
+          <a:lstStyle/>
+          <a:p>
+            <a:pPr algn="ctr"/>
+            <a:endParaRPr lang="zh-CN" altLang="en-US"/>
+          </a:p>
+        </p:txBody>
+      </p:sp>
+      <p:sp>
+        <p:nvSpPr>
+          <p:cNvPr id="324" name="加号 323"/>
+          <p:cNvSpPr/>
+          <p:nvPr/>
+        </p:nvSpPr>
+        <p:spPr>
+          <a:xfrm>
+            <a:off x="8651771" y="2481696"/>
+            <a:ext cx="90000" cy="88174"/>
+          </a:xfrm>
+          <a:prstGeom prst="mathPlus">
+            <a:avLst/>
+          </a:prstGeom>
+          <a:ln w="0">
+            <a:noFill/>
+          </a:ln>
+        </p:spPr>
+        <p:style>
+          <a:lnRef idx="2">
+            <a:schemeClr val="accent1">
+              <a:shade val="50000"/>
+            </a:schemeClr>
+          </a:lnRef>
+          <a:fillRef idx="1">
+            <a:schemeClr val="accent1"/>
+          </a:fillRef>
+          <a:effectRef idx="0">
+            <a:schemeClr val="accent1"/>
+          </a:effectRef>
+          <a:fontRef idx="minor">
+            <a:schemeClr val="lt1"/>
+          </a:fontRef>
+        </p:style>
+        <p:txBody>
+          <a:bodyPr rtlCol="0" anchor="ctr"/>
+          <a:lstStyle/>
+          <a:p>
+            <a:pPr algn="ctr"/>
+            <a:endParaRPr lang="zh-CN" altLang="en-US"/>
+          </a:p>
+        </p:txBody>
+      </p:sp>
+      <p:sp>
+        <p:nvSpPr>
+          <p:cNvPr id="328" name="加号 327"/>
+          <p:cNvSpPr/>
+          <p:nvPr/>
+        </p:nvSpPr>
+        <p:spPr>
+          <a:xfrm>
+            <a:off x="8859180" y="2708129"/>
+            <a:ext cx="90000" cy="88174"/>
+          </a:xfrm>
+          <a:prstGeom prst="mathPlus">
+            <a:avLst/>
+          </a:prstGeom>
+          <a:ln w="0">
+            <a:noFill/>
+          </a:ln>
+        </p:spPr>
+        <p:style>
+          <a:lnRef idx="2">
+            <a:schemeClr val="accent1">
+              <a:shade val="50000"/>
+            </a:schemeClr>
+          </a:lnRef>
+          <a:fillRef idx="1">
+            <a:schemeClr val="accent1"/>
+          </a:fillRef>
+          <a:effectRef idx="0">
+            <a:schemeClr val="accent1"/>
+          </a:effectRef>
+          <a:fontRef idx="minor">
+            <a:schemeClr val="lt1"/>
+          </a:fontRef>
+        </p:style>
+        <p:txBody>
+          <a:bodyPr rtlCol="0" anchor="ctr"/>
+          <a:lstStyle/>
+          <a:p>
+            <a:pPr algn="ctr"/>
+            <a:endParaRPr lang="zh-CN" altLang="en-US"/>
+          </a:p>
+        </p:txBody>
+      </p:sp>
+      <p:cxnSp>
+        <p:nvCxnSpPr>
+          <p:cNvPr id="330" name="肘形连接符 329"/>
+          <p:cNvCxnSpPr>
+            <a:stCxn id="261" idx="3"/>
+            <a:endCxn id="323" idx="4"/>
+          </p:cNvCxnSpPr>
+          <p:nvPr/>
+        </p:nvCxnSpPr>
+        <p:spPr>
+          <a:xfrm flipV="1">
+            <a:off x="7605214" y="2721092"/>
+            <a:ext cx="1210302" cy="2364764"/>
+          </a:xfrm>
+          <a:prstGeom prst="bentConnector2">
+            <a:avLst/>
+          </a:prstGeom>
+          <a:ln>
+            <a:tailEnd type="triangle"/>
+          </a:ln>
+        </p:spPr>
+        <p:style>
+          <a:lnRef idx="1">
+            <a:schemeClr val="accent1"/>
+          </a:lnRef>
+          <a:fillRef idx="0">
+            <a:schemeClr val="accent1"/>
+          </a:fillRef>
+          <a:effectRef idx="0">
+            <a:schemeClr val="accent1"/>
+          </a:effectRef>
+          <a:fontRef idx="minor">
+            <a:schemeClr val="tx1"/>
+          </a:fontRef>
+        </p:style>
+      </p:cxnSp>
+      <p:cxnSp>
+        <p:nvCxnSpPr>
+          <p:cNvPr id="332" name="直接箭头连接符 331"/>
+          <p:cNvCxnSpPr>
+            <a:stCxn id="323" idx="6"/>
+            <a:endCxn id="150" idx="1"/>
+          </p:cNvCxnSpPr>
+          <p:nvPr/>
+        </p:nvCxnSpPr>
+        <p:spPr>
+          <a:xfrm>
+            <a:off x="8913170" y="2623438"/>
+            <a:ext cx="278751" cy="2553"/>
+          </a:xfrm>
+          <a:prstGeom prst="straightConnector1">
+            <a:avLst/>
+          </a:prstGeom>
+          <a:ln>
+            <a:tailEnd type="triangle"/>
+          </a:ln>
+        </p:spPr>
+        <p:style>
+          <a:lnRef idx="1">
+            <a:schemeClr val="accent1"/>
+          </a:lnRef>
+          <a:fillRef idx="0">
+            <a:schemeClr val="accent1"/>
+          </a:fillRef>
+          <a:effectRef idx="0">
+            <a:schemeClr val="accent1"/>
+          </a:effectRef>
+          <a:fontRef idx="minor">
+            <a:schemeClr val="tx1"/>
+          </a:fontRef>
+        </p:style>
+      </p:cxnSp>
+      <p:cxnSp>
+        <p:nvCxnSpPr>
+          <p:cNvPr id="5" name="肘形连接符 4"/>
+          <p:cNvCxnSpPr>
+            <a:stCxn id="113" idx="2"/>
+            <a:endCxn id="261" idx="1"/>
+          </p:cNvCxnSpPr>
+          <p:nvPr/>
+        </p:nvCxnSpPr>
+        <p:spPr>
+          <a:xfrm rot="16200000" flipH="1">
+            <a:off x="5135499" y="3424009"/>
+            <a:ext cx="2124684" cy="1199010"/>
+          </a:xfrm>
+          <a:prstGeom prst="bentConnector2">
+            <a:avLst/>
+          </a:prstGeom>
+          <a:ln>
+            <a:tailEnd type="triangle"/>
+          </a:ln>
+        </p:spPr>
+        <p:style>
+          <a:lnRef idx="1">
+            <a:schemeClr val="accent1"/>
+          </a:lnRef>
+          <a:fillRef idx="0">
+            <a:schemeClr val="accent1"/>
+          </a:fillRef>
+          <a:effectRef idx="0">
+            <a:schemeClr val="accent1"/>
+          </a:effectRef>
+          <a:fontRef idx="minor">
+            <a:schemeClr val="tx1"/>
+          </a:fontRef>
+        </p:style>
+      </p:cxnSp>
+    </p:spTree>
+    <p:extLst>
+      <p:ext uri="{BB962C8B-B14F-4D97-AF65-F5344CB8AC3E}">
+        <p14:creationId xmlns:p14="http://schemas.microsoft.com/office/powerpoint/2010/main" val="3376092932"/>
+      </p:ext>
+    </p:extLst>
+  </p:cSld>
+  <p:clrMapOvr>
+    <a:masterClrMapping/>
+  </p:clrMapOvr>
+</p:sld>
+</file>
+
+<file path=ppt/slides/slide4.xml><?xml version="1.0" encoding="utf-8"?>
+<p:sld xmlns:a="http://schemas.openxmlformats.org/drawingml/2006/main" xmlns:r="http://schemas.openxmlformats.org/officeDocument/2006/relationships" xmlns:p="http://schemas.openxmlformats.org/presentationml/2006/main">
+  <p:cSld>
+    <p:spTree>
+      <p:nvGrpSpPr>
+        <p:cNvPr id="1" name=""/>
+        <p:cNvGrpSpPr/>
+        <p:nvPr/>
+      </p:nvGrpSpPr>
+      <p:grpSpPr>
+        <a:xfrm>
+          <a:off x="0" y="0"/>
+          <a:ext cx="0" cy="0"/>
+          <a:chOff x="0" y="0"/>
+          <a:chExt cx="0" cy="0"/>
+        </a:xfrm>
+      </p:grpSpPr>
+      <p:sp>
+        <p:nvSpPr>
+          <p:cNvPr id="228" name="圆角矩形 227"/>
+          <p:cNvSpPr/>
+          <p:nvPr/>
+        </p:nvSpPr>
+        <p:spPr>
+          <a:xfrm>
+            <a:off x="360218" y="304800"/>
+            <a:ext cx="3210016" cy="905163"/>
+          </a:xfrm>
+          <a:prstGeom prst="roundRect">
+            <a:avLst/>
+          </a:prstGeom>
+          <a:solidFill>
+            <a:srgbClr val="FF0000"/>
+          </a:solidFill>
+        </p:spPr>
+        <p:style>
+          <a:lnRef idx="2">
+            <a:schemeClr val="accent1">
+              <a:shade val="50000"/>
+            </a:schemeClr>
+          </a:lnRef>
+          <a:fillRef idx="1">
+            <a:schemeClr val="accent1"/>
+          </a:fillRef>
+          <a:effectRef idx="0">
+            <a:schemeClr val="accent1"/>
+          </a:effectRef>
+          <a:fontRef idx="minor">
+            <a:schemeClr val="lt1"/>
+          </a:fontRef>
+        </p:style>
+        <p:txBody>
+          <a:bodyPr rtlCol="0" anchor="ctr"/>
+          <a:lstStyle/>
+          <a:p>
+            <a:pPr algn="ctr"/>
+            <a:r>
+              <a:rPr lang="en-US" altLang="zh-CN" dirty="0" smtClean="0"/>
+              <a:t>The control block diagram</a:t>
+            </a:r>
+          </a:p>
+          <a:p>
+            <a:pPr algn="ctr"/>
+            <a:r>
+              <a:rPr lang="en-US" altLang="zh-CN" dirty="0" smtClean="0"/>
+              <a:t> in this program</a:t>
+            </a:r>
+            <a:endParaRPr lang="zh-CN" altLang="en-US" dirty="0"/>
+          </a:p>
+        </p:txBody>
+      </p:sp>
+    </p:spTree>
+    <p:extLst>
+      <p:ext uri="{BB962C8B-B14F-4D97-AF65-F5344CB8AC3E}">
+        <p14:creationId xmlns:p14="http://schemas.microsoft.com/office/powerpoint/2010/main" val="4006818919"/>
       </p:ext>
     </p:extLst>
   </p:cSld>

--- a/控制框图说明.pptx
+++ b/控制框图说明.pptx
@@ -118,6 +118,32 @@
 </p:presentation>
 </file>
 
+<file path=ppt/commentAuthors.xml><?xml version="1.0" encoding="utf-8"?>
+<p:cmAuthorLst xmlns:a="http://schemas.openxmlformats.org/drawingml/2006/main" xmlns:r="http://schemas.openxmlformats.org/officeDocument/2006/relationships" xmlns:p="http://schemas.openxmlformats.org/presentationml/2006/main">
+  <p:cmAuthor id="1" name="Windows 用户" initials="W用" lastIdx="1" clrIdx="0">
+    <p:extLst>
+      <p:ext uri="{19B8F6BF-5375-455C-9EA6-DF929625EA0E}">
+        <p15:presenceInfo xmlns:p15="http://schemas.microsoft.com/office/powerpoint/2012/main" userId="341c570648132ed7" providerId="Windows Live"/>
+      </p:ext>
+    </p:extLst>
+  </p:cmAuthor>
+</p:cmAuthorLst>
+</file>
+
+<file path=ppt/comments/comment1.xml><?xml version="1.0" encoding="utf-8"?>
+<p:cmLst xmlns:a="http://schemas.openxmlformats.org/drawingml/2006/main" xmlns:r="http://schemas.openxmlformats.org/officeDocument/2006/relationships" xmlns:p="http://schemas.openxmlformats.org/presentationml/2006/main">
+  <p:cm authorId="1" dt="2022-07-03T17:33:35.795" idx="1">
+    <p:pos x="10" y="10"/>
+    <p:text/>
+    <p:extLst>
+      <p:ext uri="{C676402C-5697-4E1C-873F-D02D1690AC5C}">
+        <p15:threadingInfo xmlns:p15="http://schemas.microsoft.com/office/powerpoint/2012/main" timeZoneBias="-480"/>
+      </p:ext>
+    </p:extLst>
+  </p:cm>
+</p:cmLst>
+</file>
+
 <file path=ppt/notesMasters/notesMaster1.xml><?xml version="1.0" encoding="utf-8"?>
 <p:notesMaster xmlns:a="http://schemas.openxmlformats.org/drawingml/2006/main" xmlns:r="http://schemas.openxmlformats.org/officeDocument/2006/relationships" xmlns:p="http://schemas.openxmlformats.org/presentationml/2006/main">
   <p:cSld>
@@ -200,7 +226,7 @@
           <a:p>
             <a:fld id="{B180E7EF-D37D-4E22-8DE8-23437848A5B5}" type="datetimeFigureOut">
               <a:rPr lang="zh-CN" altLang="en-US" smtClean="0"/>
-              <a:t>2021/11/28</a:t>
+              <a:t>2022/7/3</a:t>
             </a:fld>
             <a:endParaRPr lang="zh-CN" altLang="en-US"/>
           </a:p>
@@ -851,7 +877,7 @@
           <a:p>
             <a:fld id="{D5D86183-1A27-425D-9692-264495573DC9}" type="datetimeFigureOut">
               <a:rPr lang="zh-CN" altLang="en-US" smtClean="0"/>
-              <a:t>2021/11/28</a:t>
+              <a:t>2022/7/3</a:t>
             </a:fld>
             <a:endParaRPr lang="zh-CN" altLang="en-US"/>
           </a:p>
@@ -1021,7 +1047,7 @@
           <a:p>
             <a:fld id="{D5D86183-1A27-425D-9692-264495573DC9}" type="datetimeFigureOut">
               <a:rPr lang="zh-CN" altLang="en-US" smtClean="0"/>
-              <a:t>2021/11/28</a:t>
+              <a:t>2022/7/3</a:t>
             </a:fld>
             <a:endParaRPr lang="zh-CN" altLang="en-US"/>
           </a:p>
@@ -1201,7 +1227,7 @@
           <a:p>
             <a:fld id="{D5D86183-1A27-425D-9692-264495573DC9}" type="datetimeFigureOut">
               <a:rPr lang="zh-CN" altLang="en-US" smtClean="0"/>
-              <a:t>2021/11/28</a:t>
+              <a:t>2022/7/3</a:t>
             </a:fld>
             <a:endParaRPr lang="zh-CN" altLang="en-US"/>
           </a:p>
@@ -1371,7 +1397,7 @@
           <a:p>
             <a:fld id="{D5D86183-1A27-425D-9692-264495573DC9}" type="datetimeFigureOut">
               <a:rPr lang="zh-CN" altLang="en-US" smtClean="0"/>
-              <a:t>2021/11/28</a:t>
+              <a:t>2022/7/3</a:t>
             </a:fld>
             <a:endParaRPr lang="zh-CN" altLang="en-US"/>
           </a:p>
@@ -1617,7 +1643,7 @@
           <a:p>
             <a:fld id="{D5D86183-1A27-425D-9692-264495573DC9}" type="datetimeFigureOut">
               <a:rPr lang="zh-CN" altLang="en-US" smtClean="0"/>
-              <a:t>2021/11/28</a:t>
+              <a:t>2022/7/3</a:t>
             </a:fld>
             <a:endParaRPr lang="zh-CN" altLang="en-US"/>
           </a:p>
@@ -1849,7 +1875,7 @@
           <a:p>
             <a:fld id="{D5D86183-1A27-425D-9692-264495573DC9}" type="datetimeFigureOut">
               <a:rPr lang="zh-CN" altLang="en-US" smtClean="0"/>
-              <a:t>2021/11/28</a:t>
+              <a:t>2022/7/3</a:t>
             </a:fld>
             <a:endParaRPr lang="zh-CN" altLang="en-US"/>
           </a:p>
@@ -2216,7 +2242,7 @@
           <a:p>
             <a:fld id="{D5D86183-1A27-425D-9692-264495573DC9}" type="datetimeFigureOut">
               <a:rPr lang="zh-CN" altLang="en-US" smtClean="0"/>
-              <a:t>2021/11/28</a:t>
+              <a:t>2022/7/3</a:t>
             </a:fld>
             <a:endParaRPr lang="zh-CN" altLang="en-US"/>
           </a:p>
@@ -2334,7 +2360,7 @@
           <a:p>
             <a:fld id="{D5D86183-1A27-425D-9692-264495573DC9}" type="datetimeFigureOut">
               <a:rPr lang="zh-CN" altLang="en-US" smtClean="0"/>
-              <a:t>2021/11/28</a:t>
+              <a:t>2022/7/3</a:t>
             </a:fld>
             <a:endParaRPr lang="zh-CN" altLang="en-US"/>
           </a:p>
@@ -2429,7 +2455,7 @@
           <a:p>
             <a:fld id="{D5D86183-1A27-425D-9692-264495573DC9}" type="datetimeFigureOut">
               <a:rPr lang="zh-CN" altLang="en-US" smtClean="0"/>
-              <a:t>2021/11/28</a:t>
+              <a:t>2022/7/3</a:t>
             </a:fld>
             <a:endParaRPr lang="zh-CN" altLang="en-US"/>
           </a:p>
@@ -2706,7 +2732,7 @@
           <a:p>
             <a:fld id="{D5D86183-1A27-425D-9692-264495573DC9}" type="datetimeFigureOut">
               <a:rPr lang="zh-CN" altLang="en-US" smtClean="0"/>
-              <a:t>2021/11/28</a:t>
+              <a:t>2022/7/3</a:t>
             </a:fld>
             <a:endParaRPr lang="zh-CN" altLang="en-US"/>
           </a:p>
@@ -2959,7 +2985,7 @@
           <a:p>
             <a:fld id="{D5D86183-1A27-425D-9692-264495573DC9}" type="datetimeFigureOut">
               <a:rPr lang="zh-CN" altLang="en-US" smtClean="0"/>
-              <a:t>2021/11/28</a:t>
+              <a:t>2022/7/3</a:t>
             </a:fld>
             <a:endParaRPr lang="zh-CN" altLang="en-US"/>
           </a:p>
@@ -3172,7 +3198,7 @@
           <a:p>
             <a:fld id="{D5D86183-1A27-425D-9692-264495573DC9}" type="datetimeFigureOut">
               <a:rPr lang="zh-CN" altLang="en-US" smtClean="0"/>
-              <a:t>2021/11/28</a:t>
+              <a:t>2022/7/3</a:t>
             </a:fld>
             <a:endParaRPr lang="zh-CN" altLang="en-US"/>
           </a:p>
@@ -7506,60 +7532,6 @@
           </a:p>
         </p:txBody>
       </p:sp>
-      <p:sp>
-        <p:nvSpPr>
-          <p:cNvPr id="228" name="圆角矩形 227"/>
-          <p:cNvSpPr/>
-          <p:nvPr/>
-        </p:nvSpPr>
-        <p:spPr>
-          <a:xfrm>
-            <a:off x="360218" y="304800"/>
-            <a:ext cx="3210016" cy="905163"/>
-          </a:xfrm>
-          <a:prstGeom prst="roundRect">
-            <a:avLst/>
-          </a:prstGeom>
-          <a:solidFill>
-            <a:srgbClr val="FF0000"/>
-          </a:solidFill>
-        </p:spPr>
-        <p:style>
-          <a:lnRef idx="2">
-            <a:schemeClr val="accent1">
-              <a:shade val="50000"/>
-            </a:schemeClr>
-          </a:lnRef>
-          <a:fillRef idx="1">
-            <a:schemeClr val="accent1"/>
-          </a:fillRef>
-          <a:effectRef idx="0">
-            <a:schemeClr val="accent1"/>
-          </a:effectRef>
-          <a:fontRef idx="minor">
-            <a:schemeClr val="lt1"/>
-          </a:fontRef>
-        </p:style>
-        <p:txBody>
-          <a:bodyPr rtlCol="0" anchor="ctr"/>
-          <a:lstStyle/>
-          <a:p>
-            <a:pPr algn="ctr"/>
-            <a:r>
-              <a:rPr lang="en-US" altLang="zh-CN" dirty="0" smtClean="0"/>
-              <a:t>The control block diagram</a:t>
-            </a:r>
-          </a:p>
-          <a:p>
-            <a:pPr algn="ctr"/>
-            <a:r>
-              <a:rPr lang="en-US" altLang="zh-CN" dirty="0" smtClean="0"/>
-              <a:t> in this program</a:t>
-            </a:r>
-            <a:endParaRPr lang="zh-CN" altLang="en-US" dirty="0"/>
-          </a:p>
-        </p:txBody>
-      </p:sp>
       <p:cxnSp>
         <p:nvCxnSpPr>
           <p:cNvPr id="6" name="直接箭头连接符 5"/>
@@ -9810,6 +9782,1099 @@
           </a:p>
         </p:txBody>
       </p:sp>
+      <p:sp>
+        <p:nvSpPr>
+          <p:cNvPr id="2" name="文本框 1"/>
+          <p:cNvSpPr txBox="1"/>
+          <p:nvPr/>
+        </p:nvSpPr>
+        <p:spPr>
+          <a:xfrm>
+            <a:off x="1136342" y="1349405"/>
+            <a:ext cx="9925234" cy="1200329"/>
+          </a:xfrm>
+          <a:prstGeom prst="rect">
+            <a:avLst/>
+          </a:prstGeom>
+          <a:noFill/>
+        </p:spPr>
+        <p:txBody>
+          <a:bodyPr wrap="square" rtlCol="0">
+            <a:spAutoFit/>
+          </a:bodyPr>
+          <a:lstStyle/>
+          <a:p>
+            <a:r>
+              <a:rPr lang="zh-CN" altLang="en-US" dirty="0"/>
+              <a:t>本</a:t>
+            </a:r>
+            <a:r>
+              <a:rPr lang="zh-CN" altLang="en-US" dirty="0" smtClean="0"/>
+              <a:t>控制器是一种混合控制器，其中结合了</a:t>
+            </a:r>
+            <a:r>
+              <a:rPr lang="en-US" altLang="zh-CN" dirty="0" err="1" smtClean="0"/>
+              <a:t>backstepping</a:t>
+            </a:r>
+            <a:r>
+              <a:rPr lang="en-US" altLang="zh-CN" dirty="0" smtClean="0"/>
+              <a:t>, adaptive controller, </a:t>
+            </a:r>
+            <a:r>
+              <a:rPr lang="zh-CN" altLang="en-US" dirty="0" smtClean="0"/>
+              <a:t>以及</a:t>
+            </a:r>
+            <a:r>
+              <a:rPr lang="en-US" altLang="zh-CN" dirty="0" smtClean="0"/>
+              <a:t>ADRC</a:t>
+            </a:r>
+            <a:r>
+              <a:rPr lang="zh-CN" altLang="en-US" dirty="0" smtClean="0"/>
+              <a:t>中的</a:t>
+            </a:r>
+            <a:r>
+              <a:rPr lang="en-US" altLang="zh-CN" dirty="0" smtClean="0"/>
+              <a:t>TD</a:t>
+            </a:r>
+            <a:r>
+              <a:rPr lang="zh-CN" altLang="en-US" dirty="0" smtClean="0"/>
+              <a:t>与</a:t>
+            </a:r>
+            <a:r>
+              <a:rPr lang="en-US" altLang="zh-CN" dirty="0" smtClean="0"/>
+              <a:t>ESO</a:t>
+            </a:r>
+            <a:r>
+              <a:rPr lang="zh-CN" altLang="en-US" dirty="0" smtClean="0"/>
+              <a:t>。 其中</a:t>
+            </a:r>
+            <a:r>
+              <a:rPr lang="en-US" altLang="zh-CN" dirty="0" err="1" smtClean="0"/>
+              <a:t>backstepping</a:t>
+            </a:r>
+            <a:r>
+              <a:rPr lang="zh-CN" altLang="en-US" dirty="0" smtClean="0"/>
+              <a:t>用于构建类似串级的结构，</a:t>
+            </a:r>
+            <a:r>
+              <a:rPr lang="en-US" altLang="zh-CN" dirty="0" smtClean="0"/>
+              <a:t>adaptive controller</a:t>
+            </a:r>
+            <a:r>
+              <a:rPr lang="zh-CN" altLang="en-US" dirty="0" smtClean="0"/>
+              <a:t>只要用于对参数不确定性的自适应修正，</a:t>
+            </a:r>
+            <a:r>
+              <a:rPr lang="en-US" altLang="zh-CN" dirty="0" smtClean="0"/>
+              <a:t>TD</a:t>
+            </a:r>
+            <a:r>
+              <a:rPr lang="zh-CN" altLang="en-US" dirty="0" smtClean="0"/>
+              <a:t>用于产生一个合理的控制轨迹，</a:t>
+            </a:r>
+            <a:r>
+              <a:rPr lang="en-US" altLang="zh-CN" dirty="0" smtClean="0"/>
+              <a:t>ESO</a:t>
+            </a:r>
+            <a:r>
+              <a:rPr lang="zh-CN" altLang="en-US" dirty="0" smtClean="0"/>
+              <a:t>则用于对扰动估计并采用前馈的方式在控制器中减掉实时估计的扰动量，从而达到抗扰的效果。</a:t>
+            </a:r>
+            <a:endParaRPr lang="en-US" altLang="zh-CN" dirty="0" smtClean="0"/>
+          </a:p>
+        </p:txBody>
+      </p:sp>
+      <p:cxnSp>
+        <p:nvCxnSpPr>
+          <p:cNvPr id="67" name="直接箭头连接符 66"/>
+          <p:cNvCxnSpPr>
+            <a:endCxn id="69" idx="1"/>
+          </p:cNvCxnSpPr>
+          <p:nvPr/>
+        </p:nvCxnSpPr>
+        <p:spPr>
+          <a:xfrm>
+            <a:off x="1807084" y="3370193"/>
+            <a:ext cx="642370" cy="5865"/>
+          </a:xfrm>
+          <a:prstGeom prst="straightConnector1">
+            <a:avLst/>
+          </a:prstGeom>
+          <a:ln>
+            <a:tailEnd type="triangle"/>
+          </a:ln>
+        </p:spPr>
+        <p:style>
+          <a:lnRef idx="1">
+            <a:schemeClr val="accent1"/>
+          </a:lnRef>
+          <a:fillRef idx="0">
+            <a:schemeClr val="accent1"/>
+          </a:fillRef>
+          <a:effectRef idx="0">
+            <a:schemeClr val="accent1"/>
+          </a:effectRef>
+          <a:fontRef idx="minor">
+            <a:schemeClr val="tx1"/>
+          </a:fontRef>
+        </p:style>
+      </p:cxnSp>
+      <p:sp>
+        <p:nvSpPr>
+          <p:cNvPr id="68" name="文本框 67"/>
+          <p:cNvSpPr txBox="1"/>
+          <p:nvPr/>
+        </p:nvSpPr>
+        <p:spPr>
+          <a:xfrm>
+            <a:off x="1652217" y="3119754"/>
+            <a:ext cx="842361" cy="276999"/>
+          </a:xfrm>
+          <a:prstGeom prst="rect">
+            <a:avLst/>
+          </a:prstGeom>
+          <a:noFill/>
+        </p:spPr>
+        <p:txBody>
+          <a:bodyPr wrap="square" rtlCol="0">
+            <a:spAutoFit/>
+          </a:bodyPr>
+          <a:lstStyle/>
+          <a:p>
+            <a:r>
+              <a:rPr lang="en-US" altLang="zh-CN" sz="1200" dirty="0" smtClean="0">
+                <a:latin typeface="Calibri" panose="020F0502020204030204" pitchFamily="34" charset="0"/>
+                <a:cs typeface="Calibri" panose="020F0502020204030204" pitchFamily="34" charset="0"/>
+              </a:rPr>
+              <a:t>setpoint</a:t>
+            </a:r>
+            <a:endParaRPr lang="zh-CN" altLang="en-US" sz="1200" dirty="0">
+              <a:latin typeface="Calibri" panose="020F0502020204030204" pitchFamily="34" charset="0"/>
+              <a:cs typeface="Calibri" panose="020F0502020204030204" pitchFamily="34" charset="0"/>
+            </a:endParaRPr>
+          </a:p>
+        </p:txBody>
+      </p:sp>
+      <p:sp>
+        <p:nvSpPr>
+          <p:cNvPr id="69" name="圆角矩形 68"/>
+          <p:cNvSpPr/>
+          <p:nvPr/>
+        </p:nvSpPr>
+        <p:spPr>
+          <a:xfrm>
+            <a:off x="2449454" y="2747286"/>
+            <a:ext cx="507801" cy="1257544"/>
+          </a:xfrm>
+          <a:prstGeom prst="roundRect">
+            <a:avLst/>
+          </a:prstGeom>
+        </p:spPr>
+        <p:style>
+          <a:lnRef idx="2">
+            <a:schemeClr val="accent1">
+              <a:shade val="50000"/>
+            </a:schemeClr>
+          </a:lnRef>
+          <a:fillRef idx="1">
+            <a:schemeClr val="accent1"/>
+          </a:fillRef>
+          <a:effectRef idx="0">
+            <a:schemeClr val="accent1"/>
+          </a:effectRef>
+          <a:fontRef idx="minor">
+            <a:schemeClr val="lt1"/>
+          </a:fontRef>
+        </p:style>
+        <p:txBody>
+          <a:bodyPr rtlCol="0" anchor="ctr"/>
+          <a:lstStyle/>
+          <a:p>
+            <a:pPr algn="ctr"/>
+            <a:r>
+              <a:rPr lang="en-US" altLang="zh-CN" sz="1200" dirty="0" smtClean="0"/>
+              <a:t>TD</a:t>
+            </a:r>
+          </a:p>
+        </p:txBody>
+      </p:sp>
+      <p:cxnSp>
+        <p:nvCxnSpPr>
+          <p:cNvPr id="70" name="直接箭头连接符 69"/>
+          <p:cNvCxnSpPr>
+            <a:stCxn id="69" idx="3"/>
+            <a:endCxn id="71" idx="1"/>
+          </p:cNvCxnSpPr>
+          <p:nvPr/>
+        </p:nvCxnSpPr>
+        <p:spPr>
+          <a:xfrm flipV="1">
+            <a:off x="2957255" y="3370193"/>
+            <a:ext cx="1034476" cy="5865"/>
+          </a:xfrm>
+          <a:prstGeom prst="straightConnector1">
+            <a:avLst/>
+          </a:prstGeom>
+          <a:ln>
+            <a:tailEnd type="triangle"/>
+          </a:ln>
+        </p:spPr>
+        <p:style>
+          <a:lnRef idx="1">
+            <a:schemeClr val="accent1"/>
+          </a:lnRef>
+          <a:fillRef idx="0">
+            <a:schemeClr val="accent1"/>
+          </a:fillRef>
+          <a:effectRef idx="0">
+            <a:schemeClr val="accent1"/>
+          </a:effectRef>
+          <a:fontRef idx="minor">
+            <a:schemeClr val="tx1"/>
+          </a:fontRef>
+        </p:style>
+      </p:cxnSp>
+      <p:sp>
+        <p:nvSpPr>
+          <p:cNvPr id="71" name="圆角矩形 70"/>
+          <p:cNvSpPr/>
+          <p:nvPr/>
+        </p:nvSpPr>
+        <p:spPr>
+          <a:xfrm>
+            <a:off x="3991731" y="2741421"/>
+            <a:ext cx="507801" cy="1257544"/>
+          </a:xfrm>
+          <a:prstGeom prst="roundRect">
+            <a:avLst/>
+          </a:prstGeom>
+        </p:spPr>
+        <p:style>
+          <a:lnRef idx="2">
+            <a:schemeClr val="accent1">
+              <a:shade val="50000"/>
+            </a:schemeClr>
+          </a:lnRef>
+          <a:fillRef idx="1">
+            <a:schemeClr val="accent1"/>
+          </a:fillRef>
+          <a:effectRef idx="0">
+            <a:schemeClr val="accent1"/>
+          </a:effectRef>
+          <a:fontRef idx="minor">
+            <a:schemeClr val="lt1"/>
+          </a:fontRef>
+        </p:style>
+        <p:txBody>
+          <a:bodyPr rtlCol="0" anchor="ctr"/>
+          <a:lstStyle/>
+          <a:p>
+            <a:pPr algn="ctr"/>
+            <a:r>
+              <a:rPr lang="en-US" altLang="zh-CN" sz="1200" dirty="0" smtClean="0"/>
+              <a:t>X</a:t>
+            </a:r>
+            <a:r>
+              <a:rPr lang="en-US" altLang="zh-CN" sz="1200" baseline="-25000" dirty="0" smtClean="0"/>
+              <a:t>2d</a:t>
+            </a:r>
+            <a:endParaRPr lang="en-US" altLang="zh-CN" sz="1200" baseline="-25000" dirty="0" smtClean="0"/>
+          </a:p>
+        </p:txBody>
+      </p:sp>
+      <p:sp>
+        <p:nvSpPr>
+          <p:cNvPr id="78" name="圆角矩形 77"/>
+          <p:cNvSpPr/>
+          <p:nvPr/>
+        </p:nvSpPr>
+        <p:spPr>
+          <a:xfrm>
+            <a:off x="5534008" y="2741421"/>
+            <a:ext cx="507801" cy="1257544"/>
+          </a:xfrm>
+          <a:prstGeom prst="roundRect">
+            <a:avLst/>
+          </a:prstGeom>
+        </p:spPr>
+        <p:style>
+          <a:lnRef idx="2">
+            <a:schemeClr val="accent1">
+              <a:shade val="50000"/>
+            </a:schemeClr>
+          </a:lnRef>
+          <a:fillRef idx="1">
+            <a:schemeClr val="accent1"/>
+          </a:fillRef>
+          <a:effectRef idx="0">
+            <a:schemeClr val="accent1"/>
+          </a:effectRef>
+          <a:fontRef idx="minor">
+            <a:schemeClr val="lt1"/>
+          </a:fontRef>
+        </p:style>
+        <p:txBody>
+          <a:bodyPr rtlCol="0" anchor="ctr"/>
+          <a:lstStyle/>
+          <a:p>
+            <a:pPr algn="ctr"/>
+            <a:r>
+              <a:rPr lang="el-GR" altLang="zh-CN" sz="2200" baseline="-25000" dirty="0" smtClean="0">
+                <a:latin typeface="Times New Roman" panose="02020603050405020304" pitchFamily="18" charset="0"/>
+                <a:cs typeface="Times New Roman" panose="02020603050405020304" pitchFamily="18" charset="0"/>
+              </a:rPr>
+              <a:t>τ</a:t>
+            </a:r>
+            <a:endParaRPr lang="en-US" altLang="zh-CN" sz="2200" baseline="-25000" dirty="0" smtClean="0">
+              <a:latin typeface="Times New Roman" panose="02020603050405020304" pitchFamily="18" charset="0"/>
+              <a:cs typeface="Times New Roman" panose="02020603050405020304" pitchFamily="18" charset="0"/>
+            </a:endParaRPr>
+          </a:p>
+        </p:txBody>
+      </p:sp>
+      <p:cxnSp>
+        <p:nvCxnSpPr>
+          <p:cNvPr id="79" name="直接箭头连接符 78"/>
+          <p:cNvCxnSpPr>
+            <a:stCxn id="71" idx="3"/>
+            <a:endCxn id="78" idx="1"/>
+          </p:cNvCxnSpPr>
+          <p:nvPr/>
+        </p:nvCxnSpPr>
+        <p:spPr>
+          <a:xfrm>
+            <a:off x="4499532" y="3370193"/>
+            <a:ext cx="1034476" cy="0"/>
+          </a:xfrm>
+          <a:prstGeom prst="straightConnector1">
+            <a:avLst/>
+          </a:prstGeom>
+          <a:ln>
+            <a:tailEnd type="triangle"/>
+          </a:ln>
+        </p:spPr>
+        <p:style>
+          <a:lnRef idx="1">
+            <a:schemeClr val="accent1"/>
+          </a:lnRef>
+          <a:fillRef idx="0">
+            <a:schemeClr val="accent1"/>
+          </a:fillRef>
+          <a:effectRef idx="0">
+            <a:schemeClr val="accent1"/>
+          </a:effectRef>
+          <a:fontRef idx="minor">
+            <a:schemeClr val="tx1"/>
+          </a:fontRef>
+        </p:style>
+      </p:cxnSp>
+      <p:sp>
+        <p:nvSpPr>
+          <p:cNvPr id="91" name="圆角矩形 90"/>
+          <p:cNvSpPr/>
+          <p:nvPr/>
+        </p:nvSpPr>
+        <p:spPr>
+          <a:xfrm>
+            <a:off x="6609881" y="4551102"/>
+            <a:ext cx="596951" cy="767175"/>
+          </a:xfrm>
+          <a:prstGeom prst="roundRect">
+            <a:avLst/>
+          </a:prstGeom>
+        </p:spPr>
+        <p:style>
+          <a:lnRef idx="2">
+            <a:schemeClr val="accent1">
+              <a:shade val="50000"/>
+            </a:schemeClr>
+          </a:lnRef>
+          <a:fillRef idx="1">
+            <a:schemeClr val="accent1"/>
+          </a:fillRef>
+          <a:effectRef idx="0">
+            <a:schemeClr val="accent1"/>
+          </a:effectRef>
+          <a:fontRef idx="minor">
+            <a:schemeClr val="lt1"/>
+          </a:fontRef>
+        </p:style>
+        <p:txBody>
+          <a:bodyPr rtlCol="0" anchor="ctr"/>
+          <a:lstStyle>
+            <a:defPPr>
+              <a:defRPr lang="zh-CN"/>
+            </a:defPPr>
+            <a:lvl1pPr marL="0" algn="l" defTabSz="914400" rtl="0" eaLnBrk="1" latinLnBrk="0" hangingPunct="1">
+              <a:defRPr sz="1800" kern="1200">
+                <a:solidFill>
+                  <a:schemeClr val="lt1"/>
+                </a:solidFill>
+                <a:latin typeface="+mn-lt"/>
+                <a:ea typeface="+mn-ea"/>
+                <a:cs typeface="+mn-cs"/>
+              </a:defRPr>
+            </a:lvl1pPr>
+            <a:lvl2pPr marL="457200" algn="l" defTabSz="914400" rtl="0" eaLnBrk="1" latinLnBrk="0" hangingPunct="1">
+              <a:defRPr sz="1800" kern="1200">
+                <a:solidFill>
+                  <a:schemeClr val="lt1"/>
+                </a:solidFill>
+                <a:latin typeface="+mn-lt"/>
+                <a:ea typeface="+mn-ea"/>
+                <a:cs typeface="+mn-cs"/>
+              </a:defRPr>
+            </a:lvl2pPr>
+            <a:lvl3pPr marL="914400" algn="l" defTabSz="914400" rtl="0" eaLnBrk="1" latinLnBrk="0" hangingPunct="1">
+              <a:defRPr sz="1800" kern="1200">
+                <a:solidFill>
+                  <a:schemeClr val="lt1"/>
+                </a:solidFill>
+                <a:latin typeface="+mn-lt"/>
+                <a:ea typeface="+mn-ea"/>
+                <a:cs typeface="+mn-cs"/>
+              </a:defRPr>
+            </a:lvl3pPr>
+            <a:lvl4pPr marL="1371600" algn="l" defTabSz="914400" rtl="0" eaLnBrk="1" latinLnBrk="0" hangingPunct="1">
+              <a:defRPr sz="1800" kern="1200">
+                <a:solidFill>
+                  <a:schemeClr val="lt1"/>
+                </a:solidFill>
+                <a:latin typeface="+mn-lt"/>
+                <a:ea typeface="+mn-ea"/>
+                <a:cs typeface="+mn-cs"/>
+              </a:defRPr>
+            </a:lvl4pPr>
+            <a:lvl5pPr marL="1828800" algn="l" defTabSz="914400" rtl="0" eaLnBrk="1" latinLnBrk="0" hangingPunct="1">
+              <a:defRPr sz="1800" kern="1200">
+                <a:solidFill>
+                  <a:schemeClr val="lt1"/>
+                </a:solidFill>
+                <a:latin typeface="+mn-lt"/>
+                <a:ea typeface="+mn-ea"/>
+                <a:cs typeface="+mn-cs"/>
+              </a:defRPr>
+            </a:lvl5pPr>
+            <a:lvl6pPr marL="2286000" algn="l" defTabSz="914400" rtl="0" eaLnBrk="1" latinLnBrk="0" hangingPunct="1">
+              <a:defRPr sz="1800" kern="1200">
+                <a:solidFill>
+                  <a:schemeClr val="lt1"/>
+                </a:solidFill>
+                <a:latin typeface="+mn-lt"/>
+                <a:ea typeface="+mn-ea"/>
+                <a:cs typeface="+mn-cs"/>
+              </a:defRPr>
+            </a:lvl6pPr>
+            <a:lvl7pPr marL="2743200" algn="l" defTabSz="914400" rtl="0" eaLnBrk="1" latinLnBrk="0" hangingPunct="1">
+              <a:defRPr sz="1800" kern="1200">
+                <a:solidFill>
+                  <a:schemeClr val="lt1"/>
+                </a:solidFill>
+                <a:latin typeface="+mn-lt"/>
+                <a:ea typeface="+mn-ea"/>
+                <a:cs typeface="+mn-cs"/>
+              </a:defRPr>
+            </a:lvl7pPr>
+            <a:lvl8pPr marL="3200400" algn="l" defTabSz="914400" rtl="0" eaLnBrk="1" latinLnBrk="0" hangingPunct="1">
+              <a:defRPr sz="1800" kern="1200">
+                <a:solidFill>
+                  <a:schemeClr val="lt1"/>
+                </a:solidFill>
+                <a:latin typeface="+mn-lt"/>
+                <a:ea typeface="+mn-ea"/>
+                <a:cs typeface="+mn-cs"/>
+              </a:defRPr>
+            </a:lvl8pPr>
+            <a:lvl9pPr marL="3657600" algn="l" defTabSz="914400" rtl="0" eaLnBrk="1" latinLnBrk="0" hangingPunct="1">
+              <a:defRPr sz="1800" kern="1200">
+                <a:solidFill>
+                  <a:schemeClr val="lt1"/>
+                </a:solidFill>
+                <a:latin typeface="+mn-lt"/>
+                <a:ea typeface="+mn-ea"/>
+                <a:cs typeface="+mn-cs"/>
+              </a:defRPr>
+            </a:lvl9pPr>
+          </a:lstStyle>
+          <a:p>
+            <a:pPr algn="ctr"/>
+            <a:r>
+              <a:rPr lang="en-US" altLang="zh-CN" sz="1200" dirty="0" smtClean="0"/>
+              <a:t>ESO</a:t>
+            </a:r>
+          </a:p>
+        </p:txBody>
+      </p:sp>
+      <p:sp>
+        <p:nvSpPr>
+          <p:cNvPr id="92" name="圆角矩形 91"/>
+          <p:cNvSpPr/>
+          <p:nvPr/>
+        </p:nvSpPr>
+        <p:spPr>
+          <a:xfrm>
+            <a:off x="7488316" y="3143812"/>
+            <a:ext cx="548427" cy="452762"/>
+          </a:xfrm>
+          <a:prstGeom prst="roundRect">
+            <a:avLst/>
+          </a:prstGeom>
+        </p:spPr>
+        <p:style>
+          <a:lnRef idx="2">
+            <a:schemeClr val="accent1">
+              <a:shade val="50000"/>
+            </a:schemeClr>
+          </a:lnRef>
+          <a:fillRef idx="1">
+            <a:schemeClr val="accent1"/>
+          </a:fillRef>
+          <a:effectRef idx="0">
+            <a:schemeClr val="accent1"/>
+          </a:effectRef>
+          <a:fontRef idx="minor">
+            <a:schemeClr val="lt1"/>
+          </a:fontRef>
+        </p:style>
+        <p:txBody>
+          <a:bodyPr rtlCol="0" anchor="ctr"/>
+          <a:lstStyle/>
+          <a:p>
+            <a:pPr algn="ctr"/>
+            <a:r>
+              <a:rPr lang="en-US" altLang="zh-CN" sz="1200" dirty="0" smtClean="0"/>
+              <a:t>P</a:t>
+            </a:r>
+          </a:p>
+        </p:txBody>
+      </p:sp>
+      <p:cxnSp>
+        <p:nvCxnSpPr>
+          <p:cNvPr id="93" name="直接箭头连接符 92"/>
+          <p:cNvCxnSpPr/>
+          <p:nvPr/>
+        </p:nvCxnSpPr>
+        <p:spPr>
+          <a:xfrm>
+            <a:off x="8027810" y="3251414"/>
+            <a:ext cx="804863" cy="0"/>
+          </a:xfrm>
+          <a:prstGeom prst="straightConnector1">
+            <a:avLst/>
+          </a:prstGeom>
+          <a:ln>
+            <a:tailEnd type="triangle"/>
+          </a:ln>
+        </p:spPr>
+        <p:style>
+          <a:lnRef idx="1">
+            <a:schemeClr val="accent1"/>
+          </a:lnRef>
+          <a:fillRef idx="0">
+            <a:schemeClr val="accent1"/>
+          </a:fillRef>
+          <a:effectRef idx="0">
+            <a:schemeClr val="accent1"/>
+          </a:effectRef>
+          <a:fontRef idx="minor">
+            <a:schemeClr val="tx1"/>
+          </a:fontRef>
+        </p:style>
+      </p:cxnSp>
+      <p:cxnSp>
+        <p:nvCxnSpPr>
+          <p:cNvPr id="94" name="直接箭头连接符 93"/>
+          <p:cNvCxnSpPr/>
+          <p:nvPr/>
+        </p:nvCxnSpPr>
+        <p:spPr>
+          <a:xfrm>
+            <a:off x="8027810" y="3446814"/>
+            <a:ext cx="804863" cy="0"/>
+          </a:xfrm>
+          <a:prstGeom prst="straightConnector1">
+            <a:avLst/>
+          </a:prstGeom>
+          <a:ln>
+            <a:tailEnd type="triangle"/>
+          </a:ln>
+        </p:spPr>
+        <p:style>
+          <a:lnRef idx="1">
+            <a:schemeClr val="accent1"/>
+          </a:lnRef>
+          <a:fillRef idx="0">
+            <a:schemeClr val="accent1"/>
+          </a:fillRef>
+          <a:effectRef idx="0">
+            <a:schemeClr val="accent1"/>
+          </a:effectRef>
+          <a:fontRef idx="minor">
+            <a:schemeClr val="tx1"/>
+          </a:fontRef>
+        </p:style>
+      </p:cxnSp>
+      <p:sp>
+        <p:nvSpPr>
+          <p:cNvPr id="95" name="文本框 94"/>
+          <p:cNvSpPr txBox="1"/>
+          <p:nvPr/>
+        </p:nvSpPr>
+        <p:spPr>
+          <a:xfrm>
+            <a:off x="8045827" y="3239758"/>
+            <a:ext cx="1224010" cy="276999"/>
+          </a:xfrm>
+          <a:prstGeom prst="rect">
+            <a:avLst/>
+          </a:prstGeom>
+          <a:noFill/>
+        </p:spPr>
+        <p:txBody>
+          <a:bodyPr wrap="square" rtlCol="0">
+            <a:spAutoFit/>
+          </a:bodyPr>
+          <a:lstStyle/>
+          <a:p>
+            <a:r>
+              <a:rPr lang="en-US" altLang="zh-CN" sz="1200" dirty="0">
+                <a:latin typeface="Calibri" panose="020F0502020204030204" pitchFamily="34" charset="0"/>
+                <a:cs typeface="Calibri" panose="020F0502020204030204" pitchFamily="34" charset="0"/>
+              </a:rPr>
+              <a:t>State.velocity.z</a:t>
+            </a:r>
+            <a:endParaRPr lang="zh-CN" altLang="en-US" sz="1200" dirty="0">
+              <a:latin typeface="Calibri" panose="020F0502020204030204" pitchFamily="34" charset="0"/>
+              <a:cs typeface="Calibri" panose="020F0502020204030204" pitchFamily="34" charset="0"/>
+            </a:endParaRPr>
+          </a:p>
+        </p:txBody>
+      </p:sp>
+      <p:cxnSp>
+        <p:nvCxnSpPr>
+          <p:cNvPr id="96" name="肘形连接符 95"/>
+          <p:cNvCxnSpPr>
+            <a:endCxn id="91" idx="3"/>
+          </p:cNvCxnSpPr>
+          <p:nvPr/>
+        </p:nvCxnSpPr>
+        <p:spPr>
+          <a:xfrm rot="5400000">
+            <a:off x="7090892" y="3583787"/>
+            <a:ext cx="1466843" cy="1234962"/>
+          </a:xfrm>
+          <a:prstGeom prst="bentConnector2">
+            <a:avLst/>
+          </a:prstGeom>
+          <a:ln>
+            <a:tailEnd type="triangle"/>
+          </a:ln>
+        </p:spPr>
+        <p:style>
+          <a:lnRef idx="1">
+            <a:schemeClr val="accent1"/>
+          </a:lnRef>
+          <a:fillRef idx="0">
+            <a:schemeClr val="accent1"/>
+          </a:fillRef>
+          <a:effectRef idx="0">
+            <a:schemeClr val="accent1"/>
+          </a:effectRef>
+          <a:fontRef idx="minor">
+            <a:schemeClr val="tx1"/>
+          </a:fontRef>
+        </p:style>
+      </p:cxnSp>
+      <p:cxnSp>
+        <p:nvCxnSpPr>
+          <p:cNvPr id="98" name="肘形连接符 97"/>
+          <p:cNvCxnSpPr>
+            <a:stCxn id="91" idx="1"/>
+            <a:endCxn id="78" idx="2"/>
+          </p:cNvCxnSpPr>
+          <p:nvPr/>
+        </p:nvCxnSpPr>
+        <p:spPr>
+          <a:xfrm rot="10800000">
+            <a:off x="5787909" y="3998966"/>
+            <a:ext cx="821972" cy="935725"/>
+          </a:xfrm>
+          <a:prstGeom prst="bentConnector2">
+            <a:avLst/>
+          </a:prstGeom>
+          <a:ln>
+            <a:tailEnd type="triangle"/>
+          </a:ln>
+        </p:spPr>
+        <p:style>
+          <a:lnRef idx="1">
+            <a:schemeClr val="accent1"/>
+          </a:lnRef>
+          <a:fillRef idx="0">
+            <a:schemeClr val="accent1"/>
+          </a:fillRef>
+          <a:effectRef idx="0">
+            <a:schemeClr val="accent1"/>
+          </a:effectRef>
+          <a:fontRef idx="minor">
+            <a:schemeClr val="tx1"/>
+          </a:fontRef>
+        </p:style>
+      </p:cxnSp>
+      <p:sp>
+        <p:nvSpPr>
+          <p:cNvPr id="101" name="流程图: 接点 100"/>
+          <p:cNvSpPr/>
+          <p:nvPr/>
+        </p:nvSpPr>
+        <p:spPr>
+          <a:xfrm>
+            <a:off x="6801863" y="3272539"/>
+            <a:ext cx="195308" cy="195308"/>
+          </a:xfrm>
+          <a:prstGeom prst="flowChartConnector">
+            <a:avLst/>
+          </a:prstGeom>
+          <a:noFill/>
+          <a:ln>
+            <a:solidFill>
+              <a:schemeClr val="accent1"/>
+            </a:solidFill>
+          </a:ln>
+        </p:spPr>
+        <p:style>
+          <a:lnRef idx="2">
+            <a:schemeClr val="accent1">
+              <a:shade val="50000"/>
+            </a:schemeClr>
+          </a:lnRef>
+          <a:fillRef idx="1">
+            <a:schemeClr val="accent1"/>
+          </a:fillRef>
+          <a:effectRef idx="0">
+            <a:schemeClr val="accent1"/>
+          </a:effectRef>
+          <a:fontRef idx="minor">
+            <a:schemeClr val="lt1"/>
+          </a:fontRef>
+        </p:style>
+        <p:txBody>
+          <a:bodyPr rtlCol="0" anchor="ctr"/>
+          <a:lstStyle/>
+          <a:p>
+            <a:pPr algn="ctr"/>
+            <a:endParaRPr lang="zh-CN" altLang="en-US"/>
+          </a:p>
+        </p:txBody>
+      </p:sp>
+      <p:sp>
+        <p:nvSpPr>
+          <p:cNvPr id="102" name="加号 101"/>
+          <p:cNvSpPr/>
+          <p:nvPr/>
+        </p:nvSpPr>
+        <p:spPr>
+          <a:xfrm>
+            <a:off x="6735772" y="3228451"/>
+            <a:ext cx="90000" cy="88174"/>
+          </a:xfrm>
+          <a:prstGeom prst="mathPlus">
+            <a:avLst/>
+          </a:prstGeom>
+          <a:ln w="0">
+            <a:noFill/>
+          </a:ln>
+        </p:spPr>
+        <p:style>
+          <a:lnRef idx="2">
+            <a:schemeClr val="accent1">
+              <a:shade val="50000"/>
+            </a:schemeClr>
+          </a:lnRef>
+          <a:fillRef idx="1">
+            <a:schemeClr val="accent1"/>
+          </a:fillRef>
+          <a:effectRef idx="0">
+            <a:schemeClr val="accent1"/>
+          </a:effectRef>
+          <a:fontRef idx="minor">
+            <a:schemeClr val="lt1"/>
+          </a:fontRef>
+        </p:style>
+        <p:txBody>
+          <a:bodyPr rtlCol="0" anchor="ctr"/>
+          <a:lstStyle/>
+          <a:p>
+            <a:pPr algn="ctr"/>
+            <a:endParaRPr lang="zh-CN" altLang="en-US"/>
+          </a:p>
+        </p:txBody>
+      </p:sp>
+      <p:sp>
+        <p:nvSpPr>
+          <p:cNvPr id="103" name="减号 102"/>
+          <p:cNvSpPr/>
+          <p:nvPr/>
+        </p:nvSpPr>
+        <p:spPr>
+          <a:xfrm>
+            <a:off x="6948556" y="3474079"/>
+            <a:ext cx="90000" cy="90000"/>
+          </a:xfrm>
+          <a:prstGeom prst="mathMinus">
+            <a:avLst/>
+          </a:prstGeom>
+          <a:ln>
+            <a:noFill/>
+          </a:ln>
+        </p:spPr>
+        <p:style>
+          <a:lnRef idx="2">
+            <a:schemeClr val="accent1">
+              <a:shade val="50000"/>
+            </a:schemeClr>
+          </a:lnRef>
+          <a:fillRef idx="1">
+            <a:schemeClr val="accent1"/>
+          </a:fillRef>
+          <a:effectRef idx="0">
+            <a:schemeClr val="accent1"/>
+          </a:effectRef>
+          <a:fontRef idx="minor">
+            <a:schemeClr val="lt1"/>
+          </a:fontRef>
+        </p:style>
+        <p:txBody>
+          <a:bodyPr rtlCol="0" anchor="ctr"/>
+          <a:lstStyle/>
+          <a:p>
+            <a:pPr algn="ctr"/>
+            <a:endParaRPr lang="zh-CN" altLang="en-US"/>
+          </a:p>
+        </p:txBody>
+      </p:sp>
+      <p:cxnSp>
+        <p:nvCxnSpPr>
+          <p:cNvPr id="104" name="直接箭头连接符 103"/>
+          <p:cNvCxnSpPr>
+            <a:stCxn id="78" idx="3"/>
+            <a:endCxn id="101" idx="2"/>
+          </p:cNvCxnSpPr>
+          <p:nvPr/>
+        </p:nvCxnSpPr>
+        <p:spPr>
+          <a:xfrm>
+            <a:off x="6041809" y="3370193"/>
+            <a:ext cx="760054" cy="0"/>
+          </a:xfrm>
+          <a:prstGeom prst="straightConnector1">
+            <a:avLst/>
+          </a:prstGeom>
+          <a:ln>
+            <a:tailEnd type="triangle"/>
+          </a:ln>
+        </p:spPr>
+        <p:style>
+          <a:lnRef idx="1">
+            <a:schemeClr val="accent1"/>
+          </a:lnRef>
+          <a:fillRef idx="0">
+            <a:schemeClr val="accent1"/>
+          </a:fillRef>
+          <a:effectRef idx="0">
+            <a:schemeClr val="accent1"/>
+          </a:effectRef>
+          <a:fontRef idx="minor">
+            <a:schemeClr val="tx1"/>
+          </a:fontRef>
+        </p:style>
+      </p:cxnSp>
+      <p:cxnSp>
+        <p:nvCxnSpPr>
+          <p:cNvPr id="107" name="直接箭头连接符 106"/>
+          <p:cNvCxnSpPr>
+            <a:stCxn id="101" idx="6"/>
+            <a:endCxn id="92" idx="1"/>
+          </p:cNvCxnSpPr>
+          <p:nvPr/>
+        </p:nvCxnSpPr>
+        <p:spPr>
+          <a:xfrm>
+            <a:off x="6997171" y="3370193"/>
+            <a:ext cx="491145" cy="0"/>
+          </a:xfrm>
+          <a:prstGeom prst="straightConnector1">
+            <a:avLst/>
+          </a:prstGeom>
+          <a:ln>
+            <a:tailEnd type="triangle"/>
+          </a:ln>
+        </p:spPr>
+        <p:style>
+          <a:lnRef idx="1">
+            <a:schemeClr val="accent1"/>
+          </a:lnRef>
+          <a:fillRef idx="0">
+            <a:schemeClr val="accent1"/>
+          </a:fillRef>
+          <a:effectRef idx="0">
+            <a:schemeClr val="accent1"/>
+          </a:effectRef>
+          <a:fontRef idx="minor">
+            <a:schemeClr val="tx1"/>
+          </a:fontRef>
+        </p:style>
+      </p:cxnSp>
+      <p:cxnSp>
+        <p:nvCxnSpPr>
+          <p:cNvPr id="111" name="直接箭头连接符 110"/>
+          <p:cNvCxnSpPr>
+            <a:stCxn id="101" idx="4"/>
+            <a:endCxn id="91" idx="0"/>
+          </p:cNvCxnSpPr>
+          <p:nvPr/>
+        </p:nvCxnSpPr>
+        <p:spPr>
+          <a:xfrm>
+            <a:off x="6899517" y="3467847"/>
+            <a:ext cx="8840" cy="1083255"/>
+          </a:xfrm>
+          <a:prstGeom prst="straightConnector1">
+            <a:avLst/>
+          </a:prstGeom>
+          <a:ln>
+            <a:tailEnd type="triangle"/>
+          </a:ln>
+        </p:spPr>
+        <p:style>
+          <a:lnRef idx="1">
+            <a:schemeClr val="accent1"/>
+          </a:lnRef>
+          <a:fillRef idx="0">
+            <a:schemeClr val="accent1"/>
+          </a:fillRef>
+          <a:effectRef idx="0">
+            <a:schemeClr val="accent1"/>
+          </a:effectRef>
+          <a:fontRef idx="minor">
+            <a:schemeClr val="tx1"/>
+          </a:fontRef>
+        </p:style>
+      </p:cxnSp>
+      <p:graphicFrame>
+        <p:nvGraphicFramePr>
+          <p:cNvPr id="122" name="对象 121"/>
+          <p:cNvGraphicFramePr>
+            <a:graphicFrameLocks noChangeAspect="1"/>
+          </p:cNvGraphicFramePr>
+          <p:nvPr>
+            <p:extLst>
+              <p:ext uri="{D42A27DB-BD31-4B8C-83A1-F6EECF244321}">
+                <p14:modId xmlns:p14="http://schemas.microsoft.com/office/powerpoint/2010/main" val="1222340210"/>
+              </p:ext>
+            </p:extLst>
+          </p:nvPr>
+        </p:nvGraphicFramePr>
+        <p:xfrm>
+          <a:off x="514042" y="4299689"/>
+          <a:ext cx="1244600" cy="1270000"/>
+        </p:xfrm>
+        <a:graphic>
+          <a:graphicData uri="http://schemas.openxmlformats.org/presentationml/2006/ole">
+            <mc:AlternateContent xmlns:mc="http://schemas.openxmlformats.org/markup-compatibility/2006">
+              <mc:Choice xmlns:v="urn:schemas-microsoft-com:vml" Requires="v">
+                <p:oleObj spid="_x0000_s1026" name="Equation" r:id="rId4" imgW="1244520" imgH="1269720" progId="Equation.DSMT4">
+                  <p:embed/>
+                </p:oleObj>
+              </mc:Choice>
+              <mc:Fallback>
+                <p:oleObj name="Equation" r:id="rId4" imgW="1244520" imgH="1269720" progId="Equation.DSMT4">
+                  <p:embed/>
+                  <p:pic>
+                    <p:nvPicPr>
+                      <p:cNvPr id="0" name=""/>
+                      <p:cNvPicPr/>
+                      <p:nvPr/>
+                    </p:nvPicPr>
+                    <p:blipFill>
+                      <a:blip r:embed="rId5"/>
+                      <a:stretch>
+                        <a:fillRect/>
+                      </a:stretch>
+                    </p:blipFill>
+                    <p:spPr>
+                      <a:xfrm>
+                        <a:off x="514042" y="4299689"/>
+                        <a:ext cx="1244600" cy="1270000"/>
+                      </a:xfrm>
+                      <a:prstGeom prst="rect">
+                        <a:avLst/>
+                      </a:prstGeom>
+                    </p:spPr>
+                  </p:pic>
+                </p:oleObj>
+              </mc:Fallback>
+            </mc:AlternateContent>
+          </a:graphicData>
+        </a:graphic>
+      </p:graphicFrame>
+      <p:graphicFrame>
+        <p:nvGraphicFramePr>
+          <p:cNvPr id="123" name="对象 122"/>
+          <p:cNvGraphicFramePr>
+            <a:graphicFrameLocks noChangeAspect="1"/>
+          </p:cNvGraphicFramePr>
+          <p:nvPr>
+            <p:extLst>
+              <p:ext uri="{D42A27DB-BD31-4B8C-83A1-F6EECF244321}">
+                <p14:modId xmlns:p14="http://schemas.microsoft.com/office/powerpoint/2010/main" val="2624381750"/>
+              </p:ext>
+            </p:extLst>
+          </p:nvPr>
+        </p:nvGraphicFramePr>
+        <p:xfrm>
+          <a:off x="2297113" y="4299689"/>
+          <a:ext cx="939800" cy="406400"/>
+        </p:xfrm>
+        <a:graphic>
+          <a:graphicData uri="http://schemas.openxmlformats.org/presentationml/2006/ole">
+            <mc:AlternateContent xmlns:mc="http://schemas.openxmlformats.org/markup-compatibility/2006">
+              <mc:Choice xmlns:v="urn:schemas-microsoft-com:vml" Requires="v">
+                <p:oleObj spid="_x0000_s1027" name="Equation" r:id="rId6" imgW="939600" imgH="406080" progId="Equation.DSMT4">
+                  <p:embed/>
+                </p:oleObj>
+              </mc:Choice>
+              <mc:Fallback>
+                <p:oleObj name="Equation" r:id="rId6" imgW="939600" imgH="406080" progId="Equation.DSMT4">
+                  <p:embed/>
+                  <p:pic>
+                    <p:nvPicPr>
+                      <p:cNvPr id="0" name=""/>
+                      <p:cNvPicPr/>
+                      <p:nvPr/>
+                    </p:nvPicPr>
+                    <p:blipFill>
+                      <a:blip r:embed="rId7"/>
+                      <a:stretch>
+                        <a:fillRect/>
+                      </a:stretch>
+                    </p:blipFill>
+                    <p:spPr>
+                      <a:xfrm>
+                        <a:off x="2297113" y="4299689"/>
+                        <a:ext cx="939800" cy="406400"/>
+                      </a:xfrm>
+                      <a:prstGeom prst="rect">
+                        <a:avLst/>
+                      </a:prstGeom>
+                    </p:spPr>
+                  </p:pic>
+                </p:oleObj>
+              </mc:Fallback>
+            </mc:AlternateContent>
+          </a:graphicData>
+        </a:graphic>
+      </p:graphicFrame>
     </p:spTree>
     <p:extLst>
       <p:ext uri="{BB962C8B-B14F-4D97-AF65-F5344CB8AC3E}">

--- a/控制框图说明.pptx
+++ b/控制框图说明.pptx
@@ -226,7 +226,7 @@
           <a:p>
             <a:fld id="{B180E7EF-D37D-4E22-8DE8-23437848A5B5}" type="datetimeFigureOut">
               <a:rPr lang="zh-CN" altLang="en-US" smtClean="0"/>
-              <a:t>2022/7/3</a:t>
+              <a:t>2022/7/4</a:t>
             </a:fld>
             <a:endParaRPr lang="zh-CN" altLang="en-US"/>
           </a:p>
@@ -877,7 +877,7 @@
           <a:p>
             <a:fld id="{D5D86183-1A27-425D-9692-264495573DC9}" type="datetimeFigureOut">
               <a:rPr lang="zh-CN" altLang="en-US" smtClean="0"/>
-              <a:t>2022/7/3</a:t>
+              <a:t>2022/7/4</a:t>
             </a:fld>
             <a:endParaRPr lang="zh-CN" altLang="en-US"/>
           </a:p>
@@ -1047,7 +1047,7 @@
           <a:p>
             <a:fld id="{D5D86183-1A27-425D-9692-264495573DC9}" type="datetimeFigureOut">
               <a:rPr lang="zh-CN" altLang="en-US" smtClean="0"/>
-              <a:t>2022/7/3</a:t>
+              <a:t>2022/7/4</a:t>
             </a:fld>
             <a:endParaRPr lang="zh-CN" altLang="en-US"/>
           </a:p>
@@ -1227,7 +1227,7 @@
           <a:p>
             <a:fld id="{D5D86183-1A27-425D-9692-264495573DC9}" type="datetimeFigureOut">
               <a:rPr lang="zh-CN" altLang="en-US" smtClean="0"/>
-              <a:t>2022/7/3</a:t>
+              <a:t>2022/7/4</a:t>
             </a:fld>
             <a:endParaRPr lang="zh-CN" altLang="en-US"/>
           </a:p>
@@ -1397,7 +1397,7 @@
           <a:p>
             <a:fld id="{D5D86183-1A27-425D-9692-264495573DC9}" type="datetimeFigureOut">
               <a:rPr lang="zh-CN" altLang="en-US" smtClean="0"/>
-              <a:t>2022/7/3</a:t>
+              <a:t>2022/7/4</a:t>
             </a:fld>
             <a:endParaRPr lang="zh-CN" altLang="en-US"/>
           </a:p>
@@ -1643,7 +1643,7 @@
           <a:p>
             <a:fld id="{D5D86183-1A27-425D-9692-264495573DC9}" type="datetimeFigureOut">
               <a:rPr lang="zh-CN" altLang="en-US" smtClean="0"/>
-              <a:t>2022/7/3</a:t>
+              <a:t>2022/7/4</a:t>
             </a:fld>
             <a:endParaRPr lang="zh-CN" altLang="en-US"/>
           </a:p>
@@ -1875,7 +1875,7 @@
           <a:p>
             <a:fld id="{D5D86183-1A27-425D-9692-264495573DC9}" type="datetimeFigureOut">
               <a:rPr lang="zh-CN" altLang="en-US" smtClean="0"/>
-              <a:t>2022/7/3</a:t>
+              <a:t>2022/7/4</a:t>
             </a:fld>
             <a:endParaRPr lang="zh-CN" altLang="en-US"/>
           </a:p>
@@ -2242,7 +2242,7 @@
           <a:p>
             <a:fld id="{D5D86183-1A27-425D-9692-264495573DC9}" type="datetimeFigureOut">
               <a:rPr lang="zh-CN" altLang="en-US" smtClean="0"/>
-              <a:t>2022/7/3</a:t>
+              <a:t>2022/7/4</a:t>
             </a:fld>
             <a:endParaRPr lang="zh-CN" altLang="en-US"/>
           </a:p>
@@ -2360,7 +2360,7 @@
           <a:p>
             <a:fld id="{D5D86183-1A27-425D-9692-264495573DC9}" type="datetimeFigureOut">
               <a:rPr lang="zh-CN" altLang="en-US" smtClean="0"/>
-              <a:t>2022/7/3</a:t>
+              <a:t>2022/7/4</a:t>
             </a:fld>
             <a:endParaRPr lang="zh-CN" altLang="en-US"/>
           </a:p>
@@ -2455,7 +2455,7 @@
           <a:p>
             <a:fld id="{D5D86183-1A27-425D-9692-264495573DC9}" type="datetimeFigureOut">
               <a:rPr lang="zh-CN" altLang="en-US" smtClean="0"/>
-              <a:t>2022/7/3</a:t>
+              <a:t>2022/7/4</a:t>
             </a:fld>
             <a:endParaRPr lang="zh-CN" altLang="en-US"/>
           </a:p>
@@ -2732,7 +2732,7 @@
           <a:p>
             <a:fld id="{D5D86183-1A27-425D-9692-264495573DC9}" type="datetimeFigureOut">
               <a:rPr lang="zh-CN" altLang="en-US" smtClean="0"/>
-              <a:t>2022/7/3</a:t>
+              <a:t>2022/7/4</a:t>
             </a:fld>
             <a:endParaRPr lang="zh-CN" altLang="en-US"/>
           </a:p>
@@ -2985,7 +2985,7 @@
           <a:p>
             <a:fld id="{D5D86183-1A27-425D-9692-264495573DC9}" type="datetimeFigureOut">
               <a:rPr lang="zh-CN" altLang="en-US" smtClean="0"/>
-              <a:t>2022/7/3</a:t>
+              <a:t>2022/7/4</a:t>
             </a:fld>
             <a:endParaRPr lang="zh-CN" altLang="en-US"/>
           </a:p>
@@ -3198,7 +3198,7 @@
           <a:p>
             <a:fld id="{D5D86183-1A27-425D-9692-264495573DC9}" type="datetimeFigureOut">
               <a:rPr lang="zh-CN" altLang="en-US" smtClean="0"/>
-              <a:t>2022/7/3</a:t>
+              <a:t>2022/7/4</a:t>
             </a:fld>
             <a:endParaRPr lang="zh-CN" altLang="en-US"/>
           </a:p>
@@ -10078,7 +10078,6 @@
               <a:rPr lang="en-US" altLang="zh-CN" sz="1200" baseline="-25000" dirty="0" smtClean="0"/>
               <a:t>2d</a:t>
             </a:r>
-            <a:endParaRPr lang="en-US" altLang="zh-CN" sz="1200" baseline="-25000" dirty="0" smtClean="0"/>
           </a:p>
         </p:txBody>
       </p:sp>
@@ -10770,20 +10769,20 @@
           <p:nvPr>
             <p:extLst>
               <p:ext uri="{D42A27DB-BD31-4B8C-83A1-F6EECF244321}">
-                <p14:modId xmlns:p14="http://schemas.microsoft.com/office/powerpoint/2010/main" val="1222340210"/>
+                <p14:modId xmlns:p14="http://schemas.microsoft.com/office/powerpoint/2010/main" val="2358716180"/>
               </p:ext>
             </p:extLst>
           </p:nvPr>
         </p:nvGraphicFramePr>
         <p:xfrm>
-          <a:off x="514042" y="4299689"/>
+          <a:off x="323542" y="4617189"/>
           <a:ext cx="1244600" cy="1270000"/>
         </p:xfrm>
         <a:graphic>
           <a:graphicData uri="http://schemas.openxmlformats.org/presentationml/2006/ole">
             <mc:AlternateContent xmlns:mc="http://schemas.openxmlformats.org/markup-compatibility/2006">
               <mc:Choice xmlns:v="urn:schemas-microsoft-com:vml" Requires="v">
-                <p:oleObj spid="_x0000_s1026" name="Equation" r:id="rId4" imgW="1244520" imgH="1269720" progId="Equation.DSMT4">
+                <p:oleObj spid="_x0000_s1036" name="Equation" r:id="rId4" imgW="1244520" imgH="1269720" progId="Equation.DSMT4">
                   <p:embed/>
                 </p:oleObj>
               </mc:Choice>
@@ -10804,7 +10803,7 @@
                     </p:blipFill>
                     <p:spPr>
                       <a:xfrm>
-                        <a:off x="514042" y="4299689"/>
+                        <a:off x="323542" y="4617189"/>
                         <a:ext cx="1244600" cy="1270000"/>
                       </a:xfrm>
                       <a:prstGeom prst="rect">
@@ -10827,25 +10826,25 @@
           <p:nvPr>
             <p:extLst>
               <p:ext uri="{D42A27DB-BD31-4B8C-83A1-F6EECF244321}">
-                <p14:modId xmlns:p14="http://schemas.microsoft.com/office/powerpoint/2010/main" val="2624381750"/>
+                <p14:modId xmlns:p14="http://schemas.microsoft.com/office/powerpoint/2010/main" val="1839710606"/>
               </p:ext>
             </p:extLst>
           </p:nvPr>
         </p:nvGraphicFramePr>
         <p:xfrm>
-          <a:off x="2297113" y="4299689"/>
-          <a:ext cx="939800" cy="406400"/>
+          <a:off x="1736418" y="4617189"/>
+          <a:ext cx="2260600" cy="1397000"/>
         </p:xfrm>
         <a:graphic>
           <a:graphicData uri="http://schemas.openxmlformats.org/presentationml/2006/ole">
             <mc:AlternateContent xmlns:mc="http://schemas.openxmlformats.org/markup-compatibility/2006">
               <mc:Choice xmlns:v="urn:schemas-microsoft-com:vml" Requires="v">
-                <p:oleObj spid="_x0000_s1027" name="Equation" r:id="rId6" imgW="939600" imgH="406080" progId="Equation.DSMT4">
+                <p:oleObj spid="_x0000_s1037" name="Equation" r:id="rId6" imgW="2260440" imgH="1396800" progId="Equation.DSMT4">
                   <p:embed/>
                 </p:oleObj>
               </mc:Choice>
               <mc:Fallback>
-                <p:oleObj name="Equation" r:id="rId6" imgW="939600" imgH="406080" progId="Equation.DSMT4">
+                <p:oleObj name="Equation" r:id="rId6" imgW="2260440" imgH="1396800" progId="Equation.DSMT4">
                   <p:embed/>
                   <p:pic>
                     <p:nvPicPr>
@@ -10861,8 +10860,101 @@
                     </p:blipFill>
                     <p:spPr>
                       <a:xfrm>
-                        <a:off x="2297113" y="4299689"/>
-                        <a:ext cx="939800" cy="406400"/>
+                        <a:off x="1736418" y="4617189"/>
+                        <a:ext cx="2260600" cy="1397000"/>
+                      </a:xfrm>
+                      <a:prstGeom prst="rect">
+                        <a:avLst/>
+                      </a:prstGeom>
+                    </p:spPr>
+                  </p:pic>
+                </p:oleObj>
+              </mc:Fallback>
+            </mc:AlternateContent>
+          </a:graphicData>
+        </a:graphic>
+      </p:graphicFrame>
+      <p:sp>
+        <p:nvSpPr>
+          <p:cNvPr id="3" name="文本框 2"/>
+          <p:cNvSpPr txBox="1"/>
+          <p:nvPr/>
+        </p:nvSpPr>
+        <p:spPr>
+          <a:xfrm>
+            <a:off x="4178497" y="4304881"/>
+            <a:ext cx="873957" cy="246221"/>
+          </a:xfrm>
+          <a:prstGeom prst="rect">
+            <a:avLst/>
+          </a:prstGeom>
+          <a:noFill/>
+        </p:spPr>
+        <p:txBody>
+          <a:bodyPr wrap="none" rtlCol="0">
+            <a:spAutoFit/>
+          </a:bodyPr>
+          <a:lstStyle/>
+          <a:p>
+            <a:r>
+              <a:rPr lang="en-US" altLang="zh-CN" sz="1000" dirty="0" smtClean="0">
+                <a:latin typeface="Times New Roman" panose="02020603050405020304" pitchFamily="18" charset="0"/>
+                <a:cs typeface="Times New Roman" panose="02020603050405020304" pitchFamily="18" charset="0"/>
+              </a:rPr>
+              <a:t>Adaptive law</a:t>
+            </a:r>
+            <a:endParaRPr lang="zh-CN" altLang="en-US" sz="1000" dirty="0">
+              <a:latin typeface="Times New Roman" panose="02020603050405020304" pitchFamily="18" charset="0"/>
+              <a:cs typeface="Times New Roman" panose="02020603050405020304" pitchFamily="18" charset="0"/>
+            </a:endParaRPr>
+          </a:p>
+        </p:txBody>
+      </p:sp>
+      <p:graphicFrame>
+        <p:nvGraphicFramePr>
+          <p:cNvPr id="5" name="对象 4"/>
+          <p:cNvGraphicFramePr>
+            <a:graphicFrameLocks noChangeAspect="1"/>
+          </p:cNvGraphicFramePr>
+          <p:nvPr>
+            <p:extLst>
+              <p:ext uri="{D42A27DB-BD31-4B8C-83A1-F6EECF244321}">
+                <p14:modId xmlns:p14="http://schemas.microsoft.com/office/powerpoint/2010/main" val="2140338770"/>
+              </p:ext>
+            </p:extLst>
+          </p:nvPr>
+        </p:nvGraphicFramePr>
+        <p:xfrm>
+          <a:off x="4247291" y="4627737"/>
+          <a:ext cx="762000" cy="254000"/>
+        </p:xfrm>
+        <a:graphic>
+          <a:graphicData uri="http://schemas.openxmlformats.org/presentationml/2006/ole">
+            <mc:AlternateContent xmlns:mc="http://schemas.openxmlformats.org/markup-compatibility/2006">
+              <mc:Choice xmlns:v="urn:schemas-microsoft-com:vml" Requires="v">
+                <p:oleObj spid="_x0000_s1038" name="Equation" r:id="rId8" imgW="761760" imgH="253800" progId="Equation.DSMT4">
+                  <p:embed/>
+                </p:oleObj>
+              </mc:Choice>
+              <mc:Fallback>
+                <p:oleObj name="Equation" r:id="rId8" imgW="761760" imgH="253800" progId="Equation.DSMT4">
+                  <p:embed/>
+                  <p:pic>
+                    <p:nvPicPr>
+                      <p:cNvPr id="0" name=""/>
+                      <p:cNvPicPr/>
+                      <p:nvPr/>
+                    </p:nvPicPr>
+                    <p:blipFill>
+                      <a:blip r:embed="rId9"/>
+                      <a:stretch>
+                        <a:fillRect/>
+                      </a:stretch>
+                    </p:blipFill>
+                    <p:spPr>
+                      <a:xfrm>
+                        <a:off x="4247291" y="4627737"/>
+                        <a:ext cx="762000" cy="254000"/>
                       </a:xfrm>
                       <a:prstGeom prst="rect">
                         <a:avLst/>
